--- a/智能家居项目架构.pptx
+++ b/智能家居项目架构.pptx
@@ -20,8 +20,8 @@
     <p:sldId id="277" r:id="rId14"/>
     <p:sldId id="278" r:id="rId15"/>
     <p:sldId id="261" r:id="rId16"/>
-    <p:sldId id="264" r:id="rId17"/>
-    <p:sldId id="267" r:id="rId18"/>
+    <p:sldId id="267" r:id="rId17"/>
+    <p:sldId id="264" r:id="rId18"/>
     <p:sldId id="262" r:id="rId19"/>
     <p:sldId id="265" r:id="rId20"/>
     <p:sldId id="266" r:id="rId21"/>
@@ -264,7 +264,7 @@
           <a:p>
             <a:fld id="{8EA951B2-F47D-4952-BC58-DA36E3AD9060}" type="datetimeFigureOut">
               <a:rPr lang="zh-CN" altLang="en-US" smtClean="0"/>
-              <a:t>2019-12-23</a:t>
+              <a:t>2019/12/24</a:t>
             </a:fld>
             <a:endParaRPr lang="zh-CN" altLang="en-US"/>
           </a:p>
@@ -434,7 +434,7 @@
           <a:p>
             <a:fld id="{8EA951B2-F47D-4952-BC58-DA36E3AD9060}" type="datetimeFigureOut">
               <a:rPr lang="zh-CN" altLang="en-US" smtClean="0"/>
-              <a:t>2019-12-23</a:t>
+              <a:t>2019/12/24</a:t>
             </a:fld>
             <a:endParaRPr lang="zh-CN" altLang="en-US"/>
           </a:p>
@@ -614,7 +614,7 @@
           <a:p>
             <a:fld id="{8EA951B2-F47D-4952-BC58-DA36E3AD9060}" type="datetimeFigureOut">
               <a:rPr lang="zh-CN" altLang="en-US" smtClean="0"/>
-              <a:t>2019-12-23</a:t>
+              <a:t>2019/12/24</a:t>
             </a:fld>
             <a:endParaRPr lang="zh-CN" altLang="en-US"/>
           </a:p>
@@ -784,7 +784,7 @@
           <a:p>
             <a:fld id="{8EA951B2-F47D-4952-BC58-DA36E3AD9060}" type="datetimeFigureOut">
               <a:rPr lang="zh-CN" altLang="en-US" smtClean="0"/>
-              <a:t>2019-12-23</a:t>
+              <a:t>2019/12/24</a:t>
             </a:fld>
             <a:endParaRPr lang="zh-CN" altLang="en-US"/>
           </a:p>
@@ -1030,7 +1030,7 @@
           <a:p>
             <a:fld id="{8EA951B2-F47D-4952-BC58-DA36E3AD9060}" type="datetimeFigureOut">
               <a:rPr lang="zh-CN" altLang="en-US" smtClean="0"/>
-              <a:t>2019-12-23</a:t>
+              <a:t>2019/12/24</a:t>
             </a:fld>
             <a:endParaRPr lang="zh-CN" altLang="en-US"/>
           </a:p>
@@ -1262,7 +1262,7 @@
           <a:p>
             <a:fld id="{8EA951B2-F47D-4952-BC58-DA36E3AD9060}" type="datetimeFigureOut">
               <a:rPr lang="zh-CN" altLang="en-US" smtClean="0"/>
-              <a:t>2019-12-23</a:t>
+              <a:t>2019/12/24</a:t>
             </a:fld>
             <a:endParaRPr lang="zh-CN" altLang="en-US"/>
           </a:p>
@@ -1629,7 +1629,7 @@
           <a:p>
             <a:fld id="{8EA951B2-F47D-4952-BC58-DA36E3AD9060}" type="datetimeFigureOut">
               <a:rPr lang="zh-CN" altLang="en-US" smtClean="0"/>
-              <a:t>2019-12-23</a:t>
+              <a:t>2019/12/24</a:t>
             </a:fld>
             <a:endParaRPr lang="zh-CN" altLang="en-US"/>
           </a:p>
@@ -1747,7 +1747,7 @@
           <a:p>
             <a:fld id="{8EA951B2-F47D-4952-BC58-DA36E3AD9060}" type="datetimeFigureOut">
               <a:rPr lang="zh-CN" altLang="en-US" smtClean="0"/>
-              <a:t>2019-12-23</a:t>
+              <a:t>2019/12/24</a:t>
             </a:fld>
             <a:endParaRPr lang="zh-CN" altLang="en-US"/>
           </a:p>
@@ -1842,7 +1842,7 @@
           <a:p>
             <a:fld id="{8EA951B2-F47D-4952-BC58-DA36E3AD9060}" type="datetimeFigureOut">
               <a:rPr lang="zh-CN" altLang="en-US" smtClean="0"/>
-              <a:t>2019-12-23</a:t>
+              <a:t>2019/12/24</a:t>
             </a:fld>
             <a:endParaRPr lang="zh-CN" altLang="en-US"/>
           </a:p>
@@ -2119,7 +2119,7 @@
           <a:p>
             <a:fld id="{8EA951B2-F47D-4952-BC58-DA36E3AD9060}" type="datetimeFigureOut">
               <a:rPr lang="zh-CN" altLang="en-US" smtClean="0"/>
-              <a:t>2019-12-23</a:t>
+              <a:t>2019/12/24</a:t>
             </a:fld>
             <a:endParaRPr lang="zh-CN" altLang="en-US"/>
           </a:p>
@@ -2372,7 +2372,7 @@
           <a:p>
             <a:fld id="{8EA951B2-F47D-4952-BC58-DA36E3AD9060}" type="datetimeFigureOut">
               <a:rPr lang="zh-CN" altLang="en-US" smtClean="0"/>
-              <a:t>2019-12-23</a:t>
+              <a:t>2019/12/24</a:t>
             </a:fld>
             <a:endParaRPr lang="zh-CN" altLang="en-US"/>
           </a:p>
@@ -2585,7 +2585,7 @@
           <a:p>
             <a:fld id="{8EA951B2-F47D-4952-BC58-DA36E3AD9060}" type="datetimeFigureOut">
               <a:rPr lang="zh-CN" altLang="en-US" smtClean="0"/>
-              <a:t>2019-12-23</a:t>
+              <a:t>2019/12/24</a:t>
             </a:fld>
             <a:endParaRPr lang="zh-CN" altLang="en-US"/>
           </a:p>
@@ -3034,11 +3034,7 @@
             </a:r>
             <a:r>
               <a:rPr lang="zh-CN" altLang="en-US" dirty="0" smtClean="0"/>
-              <a:t>高性能、易扩展</a:t>
-            </a:r>
-            <a:r>
-              <a:rPr lang="zh-CN" altLang="en-US" dirty="0" smtClean="0"/>
-              <a:t>、</a:t>
+              <a:t>高性能、易扩展、</a:t>
             </a:r>
             <a:r>
               <a:rPr lang="zh-CN" altLang="en-US" dirty="0"/>
@@ -3655,11 +3651,7 @@
           <a:p>
             <a:r>
               <a:rPr lang="zh-CN" altLang="en-US" smtClean="0"/>
-              <a:t>详</a:t>
-            </a:r>
-            <a:r>
-              <a:rPr lang="zh-CN" altLang="en-US" smtClean="0"/>
-              <a:t>见用户</a:t>
+              <a:t>详见用户</a:t>
             </a:r>
             <a:r>
               <a:rPr lang="zh-CN" altLang="en-US" dirty="0" smtClean="0"/>
@@ -4230,7 +4222,15 @@
           <a:p>
             <a:r>
               <a:rPr lang="zh-CN" altLang="en-US" dirty="0" smtClean="0"/>
-              <a:t>基础服务：配置中心</a:t>
+              <a:t>基础服务：</a:t>
+            </a:r>
+            <a:r>
+              <a:rPr lang="en-US" altLang="zh-CN" dirty="0" smtClean="0"/>
+              <a:t>ID</a:t>
+            </a:r>
+            <a:r>
+              <a:rPr lang="zh-CN" altLang="en-US" dirty="0" smtClean="0"/>
+              <a:t>生成器</a:t>
             </a:r>
             <a:endParaRPr lang="zh-CN" altLang="en-US" dirty="0"/>
           </a:p>
@@ -4248,17 +4248,127 @@
         </p:nvSpPr>
         <p:spPr/>
         <p:txBody>
-          <a:bodyPr/>
-          <a:lstStyle/>
-          <a:p>
-            <a:endParaRPr lang="zh-CN" altLang="en-US"/>
+          <a:bodyPr>
+            <a:normAutofit/>
+          </a:bodyPr>
+          <a:lstStyle/>
+          <a:p>
+            <a:r>
+              <a:rPr lang="zh-CN" altLang="en-US" sz="2000" dirty="0" smtClean="0"/>
+              <a:t>基于</a:t>
+            </a:r>
+            <a:r>
+              <a:rPr lang="en-US" altLang="zh-CN" sz="2000" dirty="0" smtClean="0"/>
+              <a:t>MySQL</a:t>
+            </a:r>
+            <a:r>
+              <a:rPr lang="zh-CN" altLang="en-US" sz="2000" dirty="0" smtClean="0"/>
+              <a:t>的</a:t>
+            </a:r>
+            <a:r>
+              <a:rPr lang="en-US" altLang="zh-CN" sz="2000" dirty="0" err="1" smtClean="0"/>
+              <a:t>uuid</a:t>
+            </a:r>
+            <a:r>
+              <a:rPr lang="zh-CN" altLang="en-US" sz="2000" dirty="0" smtClean="0"/>
+              <a:t>生成器，通常的做法是使用一个</a:t>
+            </a:r>
+            <a:r>
+              <a:rPr lang="en-US" altLang="zh-CN" sz="2000" dirty="0" err="1" smtClean="0"/>
+              <a:t>bigint</a:t>
+            </a:r>
+            <a:r>
+              <a:rPr lang="zh-CN" altLang="en-US" sz="2000" dirty="0" smtClean="0"/>
+              <a:t>类型的递增字段</a:t>
+            </a:r>
+            <a:r>
+              <a:rPr lang="en-US" altLang="zh-CN" sz="2000" dirty="0" smtClean="0"/>
+              <a:t>index</a:t>
+            </a:r>
+            <a:r>
+              <a:rPr lang="zh-CN" altLang="en-US" sz="2000" dirty="0" smtClean="0"/>
+              <a:t>来记录当前已经分配过的</a:t>
+            </a:r>
+            <a:r>
+              <a:rPr lang="en-US" altLang="zh-CN" sz="2000" dirty="0" smtClean="0"/>
+              <a:t>ID</a:t>
+            </a:r>
+            <a:r>
+              <a:rPr lang="zh-CN" altLang="en-US" sz="2000" dirty="0" smtClean="0"/>
+              <a:t>。当请求获取</a:t>
+            </a:r>
+            <a:r>
+              <a:rPr lang="en-US" altLang="zh-CN" sz="2000" dirty="0" smtClean="0"/>
+              <a:t>id</a:t>
+            </a:r>
+            <a:r>
+              <a:rPr lang="zh-CN" altLang="en-US" sz="2000" dirty="0" smtClean="0"/>
+              <a:t>时，则</a:t>
+            </a:r>
+            <a:r>
+              <a:rPr lang="en-US" altLang="zh-CN" sz="2000" dirty="0" smtClean="0"/>
+              <a:t>get</a:t>
+            </a:r>
+            <a:r>
+              <a:rPr lang="zh-CN" altLang="en-US" sz="2000" dirty="0" smtClean="0"/>
+              <a:t>出该字段，然后加</a:t>
+            </a:r>
+            <a:r>
+              <a:rPr lang="en-US" altLang="zh-CN" sz="2000" dirty="0" smtClean="0"/>
+              <a:t>1</a:t>
+            </a:r>
+            <a:r>
+              <a:rPr lang="zh-CN" altLang="en-US" sz="2000" dirty="0" smtClean="0"/>
+              <a:t>回写到</a:t>
+            </a:r>
+            <a:r>
+              <a:rPr lang="en-US" altLang="zh-CN" sz="2000" dirty="0" err="1" smtClean="0"/>
+              <a:t>mysql</a:t>
+            </a:r>
+            <a:r>
+              <a:rPr lang="zh-CN" altLang="en-US" sz="2000" dirty="0" smtClean="0"/>
+              <a:t>中。这种做法可以保证</a:t>
+            </a:r>
+            <a:r>
+              <a:rPr lang="en-US" altLang="zh-CN" sz="2000" dirty="0" smtClean="0"/>
+              <a:t>ID</a:t>
+            </a:r>
+            <a:r>
+              <a:rPr lang="zh-CN" altLang="en-US" sz="2000" dirty="0" smtClean="0"/>
+              <a:t>的唯一性，但是对</a:t>
+            </a:r>
+            <a:r>
+              <a:rPr lang="en-US" altLang="zh-CN" sz="2000" dirty="0" err="1" smtClean="0"/>
+              <a:t>mysql</a:t>
+            </a:r>
+            <a:r>
+              <a:rPr lang="zh-CN" altLang="en-US" sz="2000" dirty="0" smtClean="0"/>
+              <a:t>的操作读写比</a:t>
+            </a:r>
+            <a:r>
+              <a:rPr lang="en-US" altLang="zh-CN" sz="2000" dirty="0" smtClean="0"/>
+              <a:t>1:1</a:t>
+            </a:r>
+            <a:r>
+              <a:rPr lang="zh-CN" altLang="en-US" sz="2000" dirty="0" smtClean="0"/>
+              <a:t>，当请求很大时，频繁的写请求很容易给</a:t>
+            </a:r>
+            <a:r>
+              <a:rPr lang="en-US" altLang="zh-CN" sz="2000" dirty="0" err="1" smtClean="0"/>
+              <a:t>mysql</a:t>
+            </a:r>
+            <a:r>
+              <a:rPr lang="zh-CN" altLang="en-US" sz="2000" dirty="0" smtClean="0"/>
+              <a:t>造成很大的压力。</a:t>
+            </a:r>
+            <a:endParaRPr lang="en-US" altLang="zh-CN" sz="2000" dirty="0" smtClean="0"/>
           </a:p>
         </p:txBody>
       </p:sp>
     </p:spTree>
     <p:extLst>
       <p:ext uri="{BB962C8B-B14F-4D97-AF65-F5344CB8AC3E}">
-        <p14:creationId xmlns:p14="http://schemas.microsoft.com/office/powerpoint/2010/main" val="4228315712"/>
+        <p14:creationId xmlns:p14="http://schemas.microsoft.com/office/powerpoint/2010/main" val="3669381742"/>
       </p:ext>
     </p:extLst>
   </p:cSld>
@@ -4302,15 +4412,7 @@
           <a:p>
             <a:r>
               <a:rPr lang="zh-CN" altLang="en-US" dirty="0" smtClean="0"/>
-              <a:t>基础服务：</a:t>
-            </a:r>
-            <a:r>
-              <a:rPr lang="en-US" altLang="zh-CN" dirty="0" smtClean="0"/>
-              <a:t>ID</a:t>
-            </a:r>
-            <a:r>
-              <a:rPr lang="zh-CN" altLang="en-US" dirty="0" smtClean="0"/>
-              <a:t>生成器</a:t>
+              <a:t>基础服务：配置中心</a:t>
             </a:r>
             <a:endParaRPr lang="zh-CN" altLang="en-US" dirty="0"/>
           </a:p>
@@ -4338,7 +4440,7 @@
     </p:spTree>
     <p:extLst>
       <p:ext uri="{BB962C8B-B14F-4D97-AF65-F5344CB8AC3E}">
-        <p14:creationId xmlns:p14="http://schemas.microsoft.com/office/powerpoint/2010/main" val="3669381742"/>
+        <p14:creationId xmlns:p14="http://schemas.microsoft.com/office/powerpoint/2010/main" val="4228315712"/>
       </p:ext>
     </p:extLst>
   </p:cSld>

--- a/智能家居项目架构.pptx
+++ b/智能家居项目架构.pptx
@@ -264,7 +264,7 @@
           <a:p>
             <a:fld id="{8EA951B2-F47D-4952-BC58-DA36E3AD9060}" type="datetimeFigureOut">
               <a:rPr lang="zh-CN" altLang="en-US" smtClean="0"/>
-              <a:t>2019/12/24</a:t>
+              <a:t>2019-12-25</a:t>
             </a:fld>
             <a:endParaRPr lang="zh-CN" altLang="en-US"/>
           </a:p>
@@ -434,7 +434,7 @@
           <a:p>
             <a:fld id="{8EA951B2-F47D-4952-BC58-DA36E3AD9060}" type="datetimeFigureOut">
               <a:rPr lang="zh-CN" altLang="en-US" smtClean="0"/>
-              <a:t>2019/12/24</a:t>
+              <a:t>2019-12-25</a:t>
             </a:fld>
             <a:endParaRPr lang="zh-CN" altLang="en-US"/>
           </a:p>
@@ -614,7 +614,7 @@
           <a:p>
             <a:fld id="{8EA951B2-F47D-4952-BC58-DA36E3AD9060}" type="datetimeFigureOut">
               <a:rPr lang="zh-CN" altLang="en-US" smtClean="0"/>
-              <a:t>2019/12/24</a:t>
+              <a:t>2019-12-25</a:t>
             </a:fld>
             <a:endParaRPr lang="zh-CN" altLang="en-US"/>
           </a:p>
@@ -784,7 +784,7 @@
           <a:p>
             <a:fld id="{8EA951B2-F47D-4952-BC58-DA36E3AD9060}" type="datetimeFigureOut">
               <a:rPr lang="zh-CN" altLang="en-US" smtClean="0"/>
-              <a:t>2019/12/24</a:t>
+              <a:t>2019-12-25</a:t>
             </a:fld>
             <a:endParaRPr lang="zh-CN" altLang="en-US"/>
           </a:p>
@@ -1030,7 +1030,7 @@
           <a:p>
             <a:fld id="{8EA951B2-F47D-4952-BC58-DA36E3AD9060}" type="datetimeFigureOut">
               <a:rPr lang="zh-CN" altLang="en-US" smtClean="0"/>
-              <a:t>2019/12/24</a:t>
+              <a:t>2019-12-25</a:t>
             </a:fld>
             <a:endParaRPr lang="zh-CN" altLang="en-US"/>
           </a:p>
@@ -1262,7 +1262,7 @@
           <a:p>
             <a:fld id="{8EA951B2-F47D-4952-BC58-DA36E3AD9060}" type="datetimeFigureOut">
               <a:rPr lang="zh-CN" altLang="en-US" smtClean="0"/>
-              <a:t>2019/12/24</a:t>
+              <a:t>2019-12-25</a:t>
             </a:fld>
             <a:endParaRPr lang="zh-CN" altLang="en-US"/>
           </a:p>
@@ -1629,7 +1629,7 @@
           <a:p>
             <a:fld id="{8EA951B2-F47D-4952-BC58-DA36E3AD9060}" type="datetimeFigureOut">
               <a:rPr lang="zh-CN" altLang="en-US" smtClean="0"/>
-              <a:t>2019/12/24</a:t>
+              <a:t>2019-12-25</a:t>
             </a:fld>
             <a:endParaRPr lang="zh-CN" altLang="en-US"/>
           </a:p>
@@ -1747,7 +1747,7 @@
           <a:p>
             <a:fld id="{8EA951B2-F47D-4952-BC58-DA36E3AD9060}" type="datetimeFigureOut">
               <a:rPr lang="zh-CN" altLang="en-US" smtClean="0"/>
-              <a:t>2019/12/24</a:t>
+              <a:t>2019-12-25</a:t>
             </a:fld>
             <a:endParaRPr lang="zh-CN" altLang="en-US"/>
           </a:p>
@@ -1842,7 +1842,7 @@
           <a:p>
             <a:fld id="{8EA951B2-F47D-4952-BC58-DA36E3AD9060}" type="datetimeFigureOut">
               <a:rPr lang="zh-CN" altLang="en-US" smtClean="0"/>
-              <a:t>2019/12/24</a:t>
+              <a:t>2019-12-25</a:t>
             </a:fld>
             <a:endParaRPr lang="zh-CN" altLang="en-US"/>
           </a:p>
@@ -2119,7 +2119,7 @@
           <a:p>
             <a:fld id="{8EA951B2-F47D-4952-BC58-DA36E3AD9060}" type="datetimeFigureOut">
               <a:rPr lang="zh-CN" altLang="en-US" smtClean="0"/>
-              <a:t>2019/12/24</a:t>
+              <a:t>2019-12-25</a:t>
             </a:fld>
             <a:endParaRPr lang="zh-CN" altLang="en-US"/>
           </a:p>
@@ -2372,7 +2372,7 @@
           <a:p>
             <a:fld id="{8EA951B2-F47D-4952-BC58-DA36E3AD9060}" type="datetimeFigureOut">
               <a:rPr lang="zh-CN" altLang="en-US" smtClean="0"/>
-              <a:t>2019/12/24</a:t>
+              <a:t>2019-12-25</a:t>
             </a:fld>
             <a:endParaRPr lang="zh-CN" altLang="en-US"/>
           </a:p>
@@ -2585,7 +2585,7 @@
           <a:p>
             <a:fld id="{8EA951B2-F47D-4952-BC58-DA36E3AD9060}" type="datetimeFigureOut">
               <a:rPr lang="zh-CN" altLang="en-US" smtClean="0"/>
-              <a:t>2019/12/24</a:t>
+              <a:t>2019-12-25</a:t>
             </a:fld>
             <a:endParaRPr lang="zh-CN" altLang="en-US"/>
           </a:p>
@@ -4253,6 +4253,9 @@
           </a:bodyPr>
           <a:lstStyle/>
           <a:p>
+            <a:pPr marL="0" indent="0">
+              <a:buNone/>
+            </a:pPr>
             <a:r>
               <a:rPr lang="zh-CN" altLang="en-US" sz="2000" dirty="0" smtClean="0"/>
               <a:t>基于</a:t>
@@ -4271,7 +4274,22 @@
             </a:r>
             <a:r>
               <a:rPr lang="zh-CN" altLang="en-US" sz="2000" dirty="0" smtClean="0"/>
-              <a:t>生成器，通常的做法是使用一个</a:t>
+              <a:t>生成器</a:t>
+            </a:r>
+            <a:endParaRPr lang="en-US" altLang="zh-CN" sz="2000" dirty="0" smtClean="0"/>
+          </a:p>
+          <a:p>
+            <a:r>
+              <a:rPr lang="zh-CN" altLang="en-US" sz="2000" dirty="0" smtClean="0"/>
+              <a:t>普通方法：</a:t>
+            </a:r>
+            <a:r>
+              <a:rPr lang="zh-CN" altLang="en-US" sz="2000" dirty="0" smtClean="0"/>
+              <a:t>使用</a:t>
+            </a:r>
+            <a:r>
+              <a:rPr lang="zh-CN" altLang="en-US" sz="2000" dirty="0" smtClean="0"/>
+              <a:t>一个</a:t>
             </a:r>
             <a:r>
               <a:rPr lang="en-US" altLang="zh-CN" sz="2000" dirty="0" err="1" smtClean="0"/>
@@ -4279,7 +4297,7 @@
             </a:r>
             <a:r>
               <a:rPr lang="zh-CN" altLang="en-US" sz="2000" dirty="0" smtClean="0"/>
-              <a:t>类型的递增字段</a:t>
+              <a:t>类型字段</a:t>
             </a:r>
             <a:r>
               <a:rPr lang="en-US" altLang="zh-CN" sz="2000" dirty="0" smtClean="0"/>
@@ -4287,7 +4305,15 @@
             </a:r>
             <a:r>
               <a:rPr lang="zh-CN" altLang="en-US" sz="2000" dirty="0" smtClean="0"/>
-              <a:t>来记录当前已经分配过的</a:t>
+              <a:t>来</a:t>
+            </a:r>
+            <a:r>
+              <a:rPr lang="zh-CN" altLang="en-US" sz="2000" dirty="0" smtClean="0"/>
+              <a:t>记录已经</a:t>
+            </a:r>
+            <a:r>
+              <a:rPr lang="zh-CN" altLang="en-US" sz="2000" dirty="0" smtClean="0"/>
+              <a:t>分配过的</a:t>
             </a:r>
             <a:r>
               <a:rPr lang="en-US" altLang="zh-CN" sz="2000" dirty="0" smtClean="0"/>
@@ -4295,15 +4321,19 @@
             </a:r>
             <a:r>
               <a:rPr lang="zh-CN" altLang="en-US" sz="2000" dirty="0" smtClean="0"/>
-              <a:t>。当请求获取</a:t>
-            </a:r>
-            <a:r>
-              <a:rPr lang="en-US" altLang="zh-CN" sz="2000" dirty="0" smtClean="0"/>
-              <a:t>id</a:t>
-            </a:r>
-            <a:r>
-              <a:rPr lang="zh-CN" altLang="en-US" sz="2000" dirty="0" smtClean="0"/>
-              <a:t>时，则</a:t>
+              <a:t>。当请求</a:t>
+            </a:r>
+            <a:r>
+              <a:rPr lang="zh-CN" altLang="en-US" sz="2000" dirty="0" smtClean="0"/>
+              <a:t>获取新</a:t>
+            </a:r>
+            <a:r>
+              <a:rPr lang="en-US" altLang="zh-CN" sz="2000" dirty="0" smtClean="0"/>
+              <a:t>ID</a:t>
+            </a:r>
+            <a:r>
+              <a:rPr lang="zh-CN" altLang="en-US" sz="2000" dirty="0" smtClean="0"/>
+              <a:t>时，</a:t>
             </a:r>
             <a:r>
               <a:rPr lang="en-US" altLang="zh-CN" sz="2000" dirty="0" smtClean="0"/>
@@ -4311,7 +4341,11 @@
             </a:r>
             <a:r>
               <a:rPr lang="zh-CN" altLang="en-US" sz="2000" dirty="0" smtClean="0"/>
-              <a:t>出该字段，然后加</a:t>
+              <a:t>出该</a:t>
+            </a:r>
+            <a:r>
+              <a:rPr lang="zh-CN" altLang="en-US" sz="2000" dirty="0" smtClean="0"/>
+              <a:t>字段加</a:t>
             </a:r>
             <a:r>
               <a:rPr lang="en-US" altLang="zh-CN" sz="2000" dirty="0" smtClean="0"/>
@@ -4319,7 +4353,11 @@
             </a:r>
             <a:r>
               <a:rPr lang="zh-CN" altLang="en-US" sz="2000" dirty="0" smtClean="0"/>
-              <a:t>回写到</a:t>
+              <a:t>并回</a:t>
+            </a:r>
+            <a:r>
+              <a:rPr lang="zh-CN" altLang="en-US" sz="2000" dirty="0" smtClean="0"/>
+              <a:t>写到</a:t>
             </a:r>
             <a:r>
               <a:rPr lang="en-US" altLang="zh-CN" sz="2000" dirty="0" err="1" smtClean="0"/>
@@ -4327,15 +4365,11 @@
             </a:r>
             <a:r>
               <a:rPr lang="zh-CN" altLang="en-US" sz="2000" dirty="0" smtClean="0"/>
-              <a:t>中。这种做法可以保证</a:t>
-            </a:r>
-            <a:r>
-              <a:rPr lang="en-US" altLang="zh-CN" sz="2000" dirty="0" smtClean="0"/>
-              <a:t>ID</a:t>
-            </a:r>
-            <a:r>
-              <a:rPr lang="zh-CN" altLang="en-US" sz="2000" dirty="0" smtClean="0"/>
-              <a:t>的唯一性，但是对</a:t>
+              <a:t>中</a:t>
+            </a:r>
+            <a:r>
+              <a:rPr lang="zh-CN" altLang="en-US" sz="2000" dirty="0" smtClean="0"/>
+              <a:t>。优点：强一致性。缺点：</a:t>
             </a:r>
             <a:r>
               <a:rPr lang="en-US" altLang="zh-CN" sz="2000" dirty="0" err="1" smtClean="0"/>
@@ -4343,7 +4377,11 @@
             </a:r>
             <a:r>
               <a:rPr lang="zh-CN" altLang="en-US" sz="2000" dirty="0" smtClean="0"/>
-              <a:t>的操作读写比</a:t>
+              <a:t>读写</a:t>
+            </a:r>
+            <a:r>
+              <a:rPr lang="zh-CN" altLang="en-US" sz="2000" dirty="0" smtClean="0"/>
+              <a:t>比</a:t>
             </a:r>
             <a:r>
               <a:rPr lang="en-US" altLang="zh-CN" sz="2000" dirty="0" smtClean="0"/>
@@ -4351,7 +4389,11 @@
             </a:r>
             <a:r>
               <a:rPr lang="zh-CN" altLang="en-US" sz="2000" dirty="0" smtClean="0"/>
-              <a:t>，当请求很大时，频繁的写请求很容易给</a:t>
+              <a:t>，当请求很大</a:t>
+            </a:r>
+            <a:r>
+              <a:rPr lang="zh-CN" altLang="en-US" sz="2000" dirty="0" smtClean="0"/>
+              <a:t>时给</a:t>
             </a:r>
             <a:r>
               <a:rPr lang="en-US" altLang="zh-CN" sz="2000" dirty="0" err="1" smtClean="0"/>
@@ -4359,7 +4401,81 @@
             </a:r>
             <a:r>
               <a:rPr lang="zh-CN" altLang="en-US" sz="2000" dirty="0" smtClean="0"/>
-              <a:t>造成很大的压力。</a:t>
+              <a:t>造成很大的</a:t>
+            </a:r>
+            <a:r>
+              <a:rPr lang="zh-CN" altLang="en-US" sz="2000" dirty="0" smtClean="0"/>
+              <a:t>压力</a:t>
+            </a:r>
+            <a:r>
+              <a:rPr lang="zh-CN" altLang="en-US" sz="2000" dirty="0" smtClean="0"/>
+              <a:t>，性能不好。</a:t>
+            </a:r>
+            <a:endParaRPr lang="en-US" altLang="zh-CN" sz="2000" dirty="0" smtClean="0"/>
+          </a:p>
+          <a:p>
+            <a:r>
+              <a:rPr lang="zh-CN" altLang="en-US" sz="2000" dirty="0" smtClean="0"/>
+              <a:t>新方法：在普通方法的基础上，增加</a:t>
+            </a:r>
+            <a:r>
+              <a:rPr lang="en-US" altLang="zh-CN" sz="2000" dirty="0" err="1" smtClean="0"/>
+              <a:t>nprealloc</a:t>
+            </a:r>
+            <a:r>
+              <a:rPr lang="zh-CN" altLang="en-US" sz="2000" dirty="0" smtClean="0"/>
+              <a:t>字段。每次预取</a:t>
+            </a:r>
+            <a:r>
+              <a:rPr lang="en-US" altLang="zh-CN" sz="2000" dirty="0" err="1" smtClean="0"/>
+              <a:t>nprealloc</a:t>
+            </a:r>
+            <a:r>
+              <a:rPr lang="zh-CN" altLang="en-US" sz="2000" dirty="0" smtClean="0"/>
+              <a:t>个</a:t>
+            </a:r>
+            <a:r>
+              <a:rPr lang="en-US" altLang="zh-CN" sz="2000" dirty="0" smtClean="0"/>
+              <a:t>ID</a:t>
+            </a:r>
+            <a:r>
+              <a:rPr lang="zh-CN" altLang="en-US" sz="2000" dirty="0" smtClean="0"/>
+              <a:t>。当请求获取新</a:t>
+            </a:r>
+            <a:r>
+              <a:rPr lang="en-US" altLang="zh-CN" sz="2000" dirty="0" smtClean="0"/>
+              <a:t>ID</a:t>
+            </a:r>
+            <a:r>
+              <a:rPr lang="zh-CN" altLang="en-US" sz="2000" dirty="0" smtClean="0"/>
+              <a:t>时，从预取得</a:t>
+            </a:r>
+            <a:r>
+              <a:rPr lang="en-US" altLang="zh-CN" sz="2000" dirty="0" smtClean="0"/>
+              <a:t>ID</a:t>
+            </a:r>
+            <a:r>
+              <a:rPr lang="zh-CN" altLang="en-US" sz="2000" dirty="0" smtClean="0"/>
+              <a:t>池中获取即可。</a:t>
+            </a:r>
+            <a:endParaRPr lang="en-US" altLang="zh-CN" sz="2000" dirty="0" smtClean="0"/>
+          </a:p>
+          <a:p>
+            <a:r>
+              <a:rPr lang="zh-CN" altLang="en-US" sz="2000" dirty="0" smtClean="0"/>
+              <a:t>各种全局</a:t>
+            </a:r>
+            <a:r>
+              <a:rPr lang="en-US" altLang="zh-CN" sz="2000" dirty="0" smtClean="0"/>
+              <a:t>ID</a:t>
+            </a:r>
+            <a:r>
+              <a:rPr lang="zh-CN" altLang="en-US" sz="2000" dirty="0" smtClean="0"/>
+              <a:t>生成器详见</a:t>
+            </a:r>
+            <a:r>
+              <a:rPr lang="en-US" altLang="zh-CN" sz="2000" smtClean="0"/>
+              <a:t>PPT</a:t>
             </a:r>
             <a:endParaRPr lang="en-US" altLang="zh-CN" sz="2000" dirty="0" smtClean="0"/>
           </a:p>

--- a/智能家居项目架构.pptx
+++ b/智能家居项目架构.pptx
@@ -22,11 +22,14 @@
     <p:sldId id="261" r:id="rId16"/>
     <p:sldId id="267" r:id="rId17"/>
     <p:sldId id="264" r:id="rId18"/>
-    <p:sldId id="262" r:id="rId19"/>
-    <p:sldId id="265" r:id="rId20"/>
-    <p:sldId id="266" r:id="rId21"/>
-    <p:sldId id="268" r:id="rId22"/>
-    <p:sldId id="272" r:id="rId23"/>
+    <p:sldId id="279" r:id="rId19"/>
+    <p:sldId id="280" r:id="rId20"/>
+    <p:sldId id="281" r:id="rId21"/>
+    <p:sldId id="262" r:id="rId22"/>
+    <p:sldId id="265" r:id="rId23"/>
+    <p:sldId id="266" r:id="rId24"/>
+    <p:sldId id="268" r:id="rId25"/>
+    <p:sldId id="272" r:id="rId26"/>
   </p:sldIdLst>
   <p:sldSz cx="12192000" cy="6858000"/>
   <p:notesSz cx="6858000" cy="9144000"/>
@@ -264,7 +267,7 @@
           <a:p>
             <a:fld id="{8EA951B2-F47D-4952-BC58-DA36E3AD9060}" type="datetimeFigureOut">
               <a:rPr lang="zh-CN" altLang="en-US" smtClean="0"/>
-              <a:t>2019-12-25</a:t>
+              <a:t>2020-1-13</a:t>
             </a:fld>
             <a:endParaRPr lang="zh-CN" altLang="en-US"/>
           </a:p>
@@ -434,7 +437,7 @@
           <a:p>
             <a:fld id="{8EA951B2-F47D-4952-BC58-DA36E3AD9060}" type="datetimeFigureOut">
               <a:rPr lang="zh-CN" altLang="en-US" smtClean="0"/>
-              <a:t>2019-12-25</a:t>
+              <a:t>2020-1-13</a:t>
             </a:fld>
             <a:endParaRPr lang="zh-CN" altLang="en-US"/>
           </a:p>
@@ -614,7 +617,7 @@
           <a:p>
             <a:fld id="{8EA951B2-F47D-4952-BC58-DA36E3AD9060}" type="datetimeFigureOut">
               <a:rPr lang="zh-CN" altLang="en-US" smtClean="0"/>
-              <a:t>2019-12-25</a:t>
+              <a:t>2020-1-13</a:t>
             </a:fld>
             <a:endParaRPr lang="zh-CN" altLang="en-US"/>
           </a:p>
@@ -784,7 +787,7 @@
           <a:p>
             <a:fld id="{8EA951B2-F47D-4952-BC58-DA36E3AD9060}" type="datetimeFigureOut">
               <a:rPr lang="zh-CN" altLang="en-US" smtClean="0"/>
-              <a:t>2019-12-25</a:t>
+              <a:t>2020-1-13</a:t>
             </a:fld>
             <a:endParaRPr lang="zh-CN" altLang="en-US"/>
           </a:p>
@@ -1030,7 +1033,7 @@
           <a:p>
             <a:fld id="{8EA951B2-F47D-4952-BC58-DA36E3AD9060}" type="datetimeFigureOut">
               <a:rPr lang="zh-CN" altLang="en-US" smtClean="0"/>
-              <a:t>2019-12-25</a:t>
+              <a:t>2020-1-13</a:t>
             </a:fld>
             <a:endParaRPr lang="zh-CN" altLang="en-US"/>
           </a:p>
@@ -1262,7 +1265,7 @@
           <a:p>
             <a:fld id="{8EA951B2-F47D-4952-BC58-DA36E3AD9060}" type="datetimeFigureOut">
               <a:rPr lang="zh-CN" altLang="en-US" smtClean="0"/>
-              <a:t>2019-12-25</a:t>
+              <a:t>2020-1-13</a:t>
             </a:fld>
             <a:endParaRPr lang="zh-CN" altLang="en-US"/>
           </a:p>
@@ -1629,7 +1632,7 @@
           <a:p>
             <a:fld id="{8EA951B2-F47D-4952-BC58-DA36E3AD9060}" type="datetimeFigureOut">
               <a:rPr lang="zh-CN" altLang="en-US" smtClean="0"/>
-              <a:t>2019-12-25</a:t>
+              <a:t>2020-1-13</a:t>
             </a:fld>
             <a:endParaRPr lang="zh-CN" altLang="en-US"/>
           </a:p>
@@ -1747,7 +1750,7 @@
           <a:p>
             <a:fld id="{8EA951B2-F47D-4952-BC58-DA36E3AD9060}" type="datetimeFigureOut">
               <a:rPr lang="zh-CN" altLang="en-US" smtClean="0"/>
-              <a:t>2019-12-25</a:t>
+              <a:t>2020-1-13</a:t>
             </a:fld>
             <a:endParaRPr lang="zh-CN" altLang="en-US"/>
           </a:p>
@@ -1842,7 +1845,7 @@
           <a:p>
             <a:fld id="{8EA951B2-F47D-4952-BC58-DA36E3AD9060}" type="datetimeFigureOut">
               <a:rPr lang="zh-CN" altLang="en-US" smtClean="0"/>
-              <a:t>2019-12-25</a:t>
+              <a:t>2020-1-13</a:t>
             </a:fld>
             <a:endParaRPr lang="zh-CN" altLang="en-US"/>
           </a:p>
@@ -2119,7 +2122,7 @@
           <a:p>
             <a:fld id="{8EA951B2-F47D-4952-BC58-DA36E3AD9060}" type="datetimeFigureOut">
               <a:rPr lang="zh-CN" altLang="en-US" smtClean="0"/>
-              <a:t>2019-12-25</a:t>
+              <a:t>2020-1-13</a:t>
             </a:fld>
             <a:endParaRPr lang="zh-CN" altLang="en-US"/>
           </a:p>
@@ -2372,7 +2375,7 @@
           <a:p>
             <a:fld id="{8EA951B2-F47D-4952-BC58-DA36E3AD9060}" type="datetimeFigureOut">
               <a:rPr lang="zh-CN" altLang="en-US" smtClean="0"/>
-              <a:t>2019-12-25</a:t>
+              <a:t>2020-1-13</a:t>
             </a:fld>
             <a:endParaRPr lang="zh-CN" altLang="en-US"/>
           </a:p>
@@ -2585,7 +2588,7 @@
           <a:p>
             <a:fld id="{8EA951B2-F47D-4952-BC58-DA36E3AD9060}" type="datetimeFigureOut">
               <a:rPr lang="zh-CN" altLang="en-US" smtClean="0"/>
-              <a:t>2019-12-25</a:t>
+              <a:t>2020-1-13</a:t>
             </a:fld>
             <a:endParaRPr lang="zh-CN" altLang="en-US"/>
           </a:p>
@@ -4281,15 +4284,7 @@
           <a:p>
             <a:r>
               <a:rPr lang="zh-CN" altLang="en-US" sz="2000" dirty="0" smtClean="0"/>
-              <a:t>普通方法：</a:t>
-            </a:r>
-            <a:r>
-              <a:rPr lang="zh-CN" altLang="en-US" sz="2000" dirty="0" smtClean="0"/>
-              <a:t>使用</a:t>
-            </a:r>
-            <a:r>
-              <a:rPr lang="zh-CN" altLang="en-US" sz="2000" dirty="0" smtClean="0"/>
-              <a:t>一个</a:t>
+              <a:t>普通方法：使用一个</a:t>
             </a:r>
             <a:r>
               <a:rPr lang="en-US" altLang="zh-CN" sz="2000" dirty="0" err="1" smtClean="0"/>
@@ -4305,15 +4300,7 @@
             </a:r>
             <a:r>
               <a:rPr lang="zh-CN" altLang="en-US" sz="2000" dirty="0" smtClean="0"/>
-              <a:t>来</a:t>
-            </a:r>
-            <a:r>
-              <a:rPr lang="zh-CN" altLang="en-US" sz="2000" dirty="0" smtClean="0"/>
-              <a:t>记录已经</a:t>
-            </a:r>
-            <a:r>
-              <a:rPr lang="zh-CN" altLang="en-US" sz="2000" dirty="0" smtClean="0"/>
-              <a:t>分配过的</a:t>
+              <a:t>来记录已经分配过的</a:t>
             </a:r>
             <a:r>
               <a:rPr lang="en-US" altLang="zh-CN" sz="2000" dirty="0" smtClean="0"/>
@@ -4321,11 +4308,7 @@
             </a:r>
             <a:r>
               <a:rPr lang="zh-CN" altLang="en-US" sz="2000" dirty="0" smtClean="0"/>
-              <a:t>。当请求</a:t>
-            </a:r>
-            <a:r>
-              <a:rPr lang="zh-CN" altLang="en-US" sz="2000" dirty="0" smtClean="0"/>
-              <a:t>获取新</a:t>
+              <a:t>。当请求获取新</a:t>
             </a:r>
             <a:r>
               <a:rPr lang="en-US" altLang="zh-CN" sz="2000" dirty="0" smtClean="0"/>
@@ -4341,11 +4324,7 @@
             </a:r>
             <a:r>
               <a:rPr lang="zh-CN" altLang="en-US" sz="2000" dirty="0" smtClean="0"/>
-              <a:t>出该</a:t>
-            </a:r>
-            <a:r>
-              <a:rPr lang="zh-CN" altLang="en-US" sz="2000" dirty="0" smtClean="0"/>
-              <a:t>字段加</a:t>
+              <a:t>出该字段加</a:t>
             </a:r>
             <a:r>
               <a:rPr lang="en-US" altLang="zh-CN" sz="2000" dirty="0" smtClean="0"/>
@@ -4353,11 +4332,7 @@
             </a:r>
             <a:r>
               <a:rPr lang="zh-CN" altLang="en-US" sz="2000" dirty="0" smtClean="0"/>
-              <a:t>并回</a:t>
-            </a:r>
-            <a:r>
-              <a:rPr lang="zh-CN" altLang="en-US" sz="2000" dirty="0" smtClean="0"/>
-              <a:t>写到</a:t>
+              <a:t>并回写到</a:t>
             </a:r>
             <a:r>
               <a:rPr lang="en-US" altLang="zh-CN" sz="2000" dirty="0" err="1" smtClean="0"/>
@@ -4365,11 +4340,7 @@
             </a:r>
             <a:r>
               <a:rPr lang="zh-CN" altLang="en-US" sz="2000" dirty="0" smtClean="0"/>
-              <a:t>中</a:t>
-            </a:r>
-            <a:r>
-              <a:rPr lang="zh-CN" altLang="en-US" sz="2000" dirty="0" smtClean="0"/>
-              <a:t>。优点：强一致性。缺点：</a:t>
+              <a:t>中。优点：强一致性。缺点：</a:t>
             </a:r>
             <a:r>
               <a:rPr lang="en-US" altLang="zh-CN" sz="2000" dirty="0" err="1" smtClean="0"/>
@@ -4377,11 +4348,7 @@
             </a:r>
             <a:r>
               <a:rPr lang="zh-CN" altLang="en-US" sz="2000" dirty="0" smtClean="0"/>
-              <a:t>读写</a:t>
-            </a:r>
-            <a:r>
-              <a:rPr lang="zh-CN" altLang="en-US" sz="2000" dirty="0" smtClean="0"/>
-              <a:t>比</a:t>
+              <a:t>读写比</a:t>
             </a:r>
             <a:r>
               <a:rPr lang="en-US" altLang="zh-CN" sz="2000" dirty="0" smtClean="0"/>
@@ -4389,11 +4356,7 @@
             </a:r>
             <a:r>
               <a:rPr lang="zh-CN" altLang="en-US" sz="2000" dirty="0" smtClean="0"/>
-              <a:t>，当请求很大</a:t>
-            </a:r>
-            <a:r>
-              <a:rPr lang="zh-CN" altLang="en-US" sz="2000" dirty="0" smtClean="0"/>
-              <a:t>时给</a:t>
+              <a:t>，当请求很大时给</a:t>
             </a:r>
             <a:r>
               <a:rPr lang="en-US" altLang="zh-CN" sz="2000" dirty="0" err="1" smtClean="0"/>
@@ -4401,15 +4364,7 @@
             </a:r>
             <a:r>
               <a:rPr lang="zh-CN" altLang="en-US" sz="2000" dirty="0" smtClean="0"/>
-              <a:t>造成很大的</a:t>
-            </a:r>
-            <a:r>
-              <a:rPr lang="zh-CN" altLang="en-US" sz="2000" dirty="0" smtClean="0"/>
-              <a:t>压力</a:t>
-            </a:r>
-            <a:r>
-              <a:rPr lang="zh-CN" altLang="en-US" sz="2000" dirty="0" smtClean="0"/>
-              <a:t>，性能不好。</a:t>
+              <a:t>造成很大的压力，性能不好。</a:t>
             </a:r>
             <a:endParaRPr lang="en-US" altLang="zh-CN" sz="2000" dirty="0" smtClean="0"/>
           </a:p>
@@ -4549,7 +4504,84 @@
           <a:bodyPr/>
           <a:lstStyle/>
           <a:p>
-            <a:endParaRPr lang="zh-CN" altLang="en-US"/>
+            <a:r>
+              <a:rPr lang="zh-CN" altLang="en-US" dirty="0" smtClean="0"/>
+              <a:t>系统的配置分为业务服务私有配置和公共配置。业务私有配置在业务进程启动时读取。公共配置为</a:t>
+            </a:r>
+            <a:r>
+              <a:rPr lang="en-US" altLang="zh-CN" dirty="0" smtClean="0"/>
+              <a:t>KV</a:t>
+            </a:r>
+            <a:r>
+              <a:rPr lang="zh-CN" altLang="en-US" dirty="0" smtClean="0"/>
+              <a:t>键值对，存放在</a:t>
+            </a:r>
+            <a:r>
+              <a:rPr lang="en-US" altLang="zh-CN" dirty="0" smtClean="0"/>
+              <a:t>DB</a:t>
+            </a:r>
+            <a:r>
+              <a:rPr lang="zh-CN" altLang="en-US" dirty="0" smtClean="0"/>
+              <a:t>中，由配置服务器分发给业务服务器。配置服务器定时去</a:t>
+            </a:r>
+            <a:r>
+              <a:rPr lang="en-US" altLang="zh-CN" dirty="0" smtClean="0"/>
+              <a:t>DB</a:t>
+            </a:r>
+            <a:r>
+              <a:rPr lang="zh-CN" altLang="en-US" dirty="0" smtClean="0"/>
+              <a:t>查询并更新自己内存中的公共配置</a:t>
+            </a:r>
+            <a:r>
+              <a:rPr lang="en-US" altLang="zh-CN" dirty="0" smtClean="0"/>
+              <a:t>KV</a:t>
+            </a:r>
+            <a:r>
+              <a:rPr lang="zh-CN" altLang="en-US" dirty="0" smtClean="0"/>
+              <a:t>对，业务服务器定期向配置服务器查询配置并更新本地的公共配置。</a:t>
+            </a:r>
+            <a:endParaRPr lang="en-US" altLang="zh-CN" dirty="0" smtClean="0"/>
+          </a:p>
+          <a:p>
+            <a:r>
+              <a:rPr lang="zh-CN" altLang="en-US" dirty="0" smtClean="0"/>
+              <a:t>主要的公共配置：</a:t>
+            </a:r>
+            <a:endParaRPr lang="en-US" altLang="zh-CN" dirty="0" smtClean="0"/>
+          </a:p>
+          <a:p>
+            <a:pPr marL="514350" indent="-514350">
+              <a:buFont typeface="+mj-lt"/>
+              <a:buAutoNum type="arabicPeriod"/>
+            </a:pPr>
+            <a:r>
+              <a:rPr lang="zh-CN" altLang="en-US" dirty="0" smtClean="0"/>
+              <a:t>服务器</a:t>
+            </a:r>
+            <a:r>
+              <a:rPr lang="en-US" altLang="zh-CN" dirty="0" smtClean="0"/>
+              <a:t>IP</a:t>
+            </a:r>
+            <a:r>
+              <a:rPr lang="zh-CN" altLang="en-US" dirty="0" smtClean="0"/>
+              <a:t>和端口</a:t>
+            </a:r>
+            <a:endParaRPr lang="en-US" altLang="zh-CN" dirty="0" smtClean="0"/>
+          </a:p>
+          <a:p>
+            <a:pPr marL="514350" indent="-514350">
+              <a:buFont typeface="+mj-lt"/>
+              <a:buAutoNum type="arabicPeriod"/>
+            </a:pPr>
+            <a:r>
+              <a:rPr lang="en-US" altLang="zh-CN" dirty="0" err="1" smtClean="0"/>
+              <a:t>uuid</a:t>
+            </a:r>
+            <a:r>
+              <a:rPr lang="zh-CN" altLang="en-US" dirty="0" smtClean="0"/>
+              <a:t>起始分配值</a:t>
+            </a:r>
+            <a:endParaRPr lang="zh-CN" altLang="en-US" dirty="0"/>
           </a:p>
         </p:txBody>
       </p:sp>
@@ -4600,39 +4632,42 @@
           <a:p>
             <a:r>
               <a:rPr lang="zh-CN" altLang="en-US" dirty="0" smtClean="0"/>
-              <a:t>存储层：</a:t>
-            </a:r>
-            <a:r>
-              <a:rPr lang="en-US" altLang="zh-CN" dirty="0" err="1" smtClean="0"/>
-              <a:t>MySQL+Redis</a:t>
+              <a:t>配置中心架构</a:t>
             </a:r>
             <a:endParaRPr lang="zh-CN" altLang="en-US" dirty="0"/>
           </a:p>
         </p:txBody>
       </p:sp>
-      <p:sp>
-        <p:nvSpPr>
-          <p:cNvPr id="3" name="内容占位符 2"/>
-          <p:cNvSpPr>
-            <a:spLocks noGrp="1"/>
-          </p:cNvSpPr>
+      <p:pic>
+        <p:nvPicPr>
+          <p:cNvPr id="4" name="内容占位符 3"/>
+          <p:cNvPicPr>
+            <a:picLocks noGrp="1" noChangeAspect="1"/>
+          </p:cNvPicPr>
           <p:nvPr>
             <p:ph idx="1"/>
           </p:nvPr>
-        </p:nvSpPr>
-        <p:spPr/>
-        <p:txBody>
-          <a:bodyPr/>
-          <a:lstStyle/>
-          <a:p>
-            <a:endParaRPr lang="zh-CN" altLang="en-US" dirty="0"/>
-          </a:p>
-        </p:txBody>
-      </p:sp>
+        </p:nvPicPr>
+        <p:blipFill>
+          <a:blip r:embed="rId2"/>
+          <a:stretch>
+            <a:fillRect/>
+          </a:stretch>
+        </p:blipFill>
+        <p:spPr>
+          <a:xfrm>
+            <a:off x="2664531" y="1808533"/>
+            <a:ext cx="5358878" cy="4351338"/>
+          </a:xfrm>
+          <a:prstGeom prst="rect">
+            <a:avLst/>
+          </a:prstGeom>
+        </p:spPr>
+      </p:pic>
     </p:spTree>
     <p:extLst>
       <p:ext uri="{BB962C8B-B14F-4D97-AF65-F5344CB8AC3E}">
-        <p14:creationId xmlns:p14="http://schemas.microsoft.com/office/powerpoint/2010/main" val="2655823133"/>
+        <p14:creationId xmlns:p14="http://schemas.microsoft.com/office/powerpoint/2010/main" val="1113817875"/>
       </p:ext>
     </p:extLst>
   </p:cSld>
@@ -4675,12 +4710,8 @@
           <a:lstStyle/>
           <a:p>
             <a:r>
-              <a:rPr lang="zh-CN" altLang="en-US" dirty="0"/>
-              <a:t>基础模块</a:t>
-            </a:r>
-            <a:r>
-              <a:rPr lang="zh-CN" altLang="en-US" dirty="0" smtClean="0"/>
-              <a:t>：监控统计</a:t>
+              <a:rPr lang="zh-CN" altLang="en-US" dirty="0" smtClean="0"/>
+              <a:t>当前配置中心的问题</a:t>
             </a:r>
             <a:endParaRPr lang="zh-CN" altLang="en-US" dirty="0"/>
           </a:p>
@@ -4701,14 +4732,99 @@
           <a:bodyPr/>
           <a:lstStyle/>
           <a:p>
-            <a:endParaRPr lang="zh-CN" altLang="en-US"/>
+            <a:r>
+              <a:rPr lang="zh-CN" altLang="en-US" dirty="0" smtClean="0"/>
+              <a:t>对新的公共配置的增删，需要通过手工操作</a:t>
+            </a:r>
+            <a:r>
+              <a:rPr lang="en-US" altLang="zh-CN" dirty="0" smtClean="0"/>
+              <a:t>DB</a:t>
+            </a:r>
+            <a:r>
+              <a:rPr lang="zh-CN" altLang="en-US" dirty="0" smtClean="0"/>
+              <a:t>来实现，对运维不友好</a:t>
+            </a:r>
+            <a:endParaRPr lang="en-US" altLang="zh-CN" dirty="0" smtClean="0"/>
+          </a:p>
+          <a:p>
+            <a:r>
+              <a:rPr lang="zh-CN" altLang="en-US" dirty="0" smtClean="0"/>
+              <a:t>公共配置从修改到生效，依赖于业务服务器被动向配置服务器轮询，滞后性比较大</a:t>
+            </a:r>
+            <a:endParaRPr lang="en-US" altLang="zh-CN" dirty="0" smtClean="0"/>
+          </a:p>
+          <a:p>
+            <a:pPr marL="0" indent="0">
+              <a:buNone/>
+            </a:pPr>
+            <a:r>
+              <a:rPr lang="zh-CN" altLang="en-US" dirty="0" smtClean="0"/>
+              <a:t>优化方法：</a:t>
+            </a:r>
+            <a:endParaRPr lang="en-US" altLang="zh-CN" dirty="0" smtClean="0"/>
+          </a:p>
+          <a:p>
+            <a:pPr marL="514350" indent="-514350">
+              <a:buFont typeface="+mj-lt"/>
+              <a:buAutoNum type="arabicPeriod"/>
+            </a:pPr>
+            <a:r>
+              <a:rPr lang="zh-CN" altLang="en-US" dirty="0" smtClean="0"/>
+              <a:t>建立</a:t>
+            </a:r>
+            <a:r>
+              <a:rPr lang="en-US" altLang="zh-CN" dirty="0" smtClean="0"/>
+              <a:t>UI</a:t>
+            </a:r>
+            <a:r>
+              <a:rPr lang="zh-CN" altLang="en-US" dirty="0" smtClean="0"/>
+              <a:t>界面，用户直接操作</a:t>
+            </a:r>
+            <a:r>
+              <a:rPr lang="en-US" altLang="zh-CN" dirty="0" smtClean="0"/>
+              <a:t>UI</a:t>
+            </a:r>
+            <a:r>
+              <a:rPr lang="zh-CN" altLang="en-US" dirty="0" smtClean="0"/>
+              <a:t>，</a:t>
+            </a:r>
+            <a:r>
+              <a:rPr lang="en-US" altLang="zh-CN" dirty="0" smtClean="0"/>
+              <a:t>UI</a:t>
+            </a:r>
+            <a:r>
+              <a:rPr lang="zh-CN" altLang="en-US" dirty="0" smtClean="0"/>
+              <a:t>跟配置服务器交互。</a:t>
+            </a:r>
+            <a:endParaRPr lang="en-US" altLang="zh-CN" dirty="0" smtClean="0"/>
+          </a:p>
+          <a:p>
+            <a:pPr marL="514350" indent="-514350">
+              <a:buFont typeface="+mj-lt"/>
+              <a:buAutoNum type="arabicPeriod"/>
+            </a:pPr>
+            <a:r>
+              <a:rPr lang="zh-CN" altLang="en-US" dirty="0" smtClean="0"/>
+              <a:t>配置项修改后，配置服务器主动向业务服务器推送更新</a:t>
+            </a:r>
+            <a:endParaRPr lang="en-US" altLang="zh-CN" dirty="0" smtClean="0"/>
+          </a:p>
+          <a:p>
+            <a:pPr marL="0" indent="0">
+              <a:buNone/>
+            </a:pPr>
+            <a:r>
+              <a:rPr lang="zh-CN" altLang="en-US" dirty="0" smtClean="0"/>
+              <a:t>新的架构如下：</a:t>
+            </a:r>
+            <a:endParaRPr lang="en-US" altLang="zh-CN" dirty="0" smtClean="0"/>
           </a:p>
         </p:txBody>
       </p:sp>
     </p:spTree>
     <p:extLst>
       <p:ext uri="{BB962C8B-B14F-4D97-AF65-F5344CB8AC3E}">
-        <p14:creationId xmlns:p14="http://schemas.microsoft.com/office/powerpoint/2010/main" val="1456476489"/>
+        <p14:creationId xmlns:p14="http://schemas.microsoft.com/office/powerpoint/2010/main" val="4264886831"/>
       </p:ext>
     </p:extLst>
   </p:cSld>
@@ -4878,72 +4994,42 @@
           <a:p>
             <a:r>
               <a:rPr lang="zh-CN" altLang="en-US" dirty="0" smtClean="0"/>
-              <a:t>可优化的点</a:t>
+              <a:t>优化后的配置中心架构</a:t>
             </a:r>
             <a:endParaRPr lang="zh-CN" altLang="en-US" dirty="0"/>
           </a:p>
         </p:txBody>
       </p:sp>
-      <p:sp>
-        <p:nvSpPr>
-          <p:cNvPr id="3" name="内容占位符 2"/>
-          <p:cNvSpPr>
-            <a:spLocks noGrp="1"/>
-          </p:cNvSpPr>
+      <p:pic>
+        <p:nvPicPr>
+          <p:cNvPr id="6" name="内容占位符 5"/>
+          <p:cNvPicPr>
+            <a:picLocks noGrp="1" noChangeAspect="1"/>
+          </p:cNvPicPr>
           <p:nvPr>
             <p:ph idx="1"/>
           </p:nvPr>
-        </p:nvSpPr>
-        <p:spPr/>
-        <p:txBody>
-          <a:bodyPr/>
-          <a:lstStyle/>
-          <a:p>
-            <a:r>
-              <a:rPr lang="zh-CN" altLang="en-US" dirty="0" smtClean="0"/>
-              <a:t>异步编程优化：</a:t>
-            </a:r>
-            <a:r>
-              <a:rPr lang="en-US" altLang="zh-CN" dirty="0" smtClean="0"/>
-              <a:t>why</a:t>
-            </a:r>
-            <a:r>
-              <a:rPr lang="zh-CN" altLang="en-US" dirty="0"/>
-              <a:t>？</a:t>
-            </a:r>
-            <a:r>
-              <a:rPr lang="zh-CN" altLang="en-US" dirty="0" smtClean="0"/>
-              <a:t>协程的引入及其改造</a:t>
-            </a:r>
-            <a:endParaRPr lang="en-US" altLang="zh-CN" dirty="0" smtClean="0"/>
-          </a:p>
-          <a:p>
-            <a:r>
-              <a:rPr lang="zh-CN" altLang="en-US" dirty="0" smtClean="0"/>
-              <a:t>数据库和缓存同步的优化：当前的方案和优化方案</a:t>
-            </a:r>
-            <a:endParaRPr lang="en-US" altLang="zh-CN" dirty="0" smtClean="0"/>
-          </a:p>
-          <a:p>
-            <a:r>
-              <a:rPr lang="zh-CN" altLang="en-US" dirty="0" smtClean="0"/>
-              <a:t>配置中心优化</a:t>
-            </a:r>
-            <a:r>
-              <a:rPr lang="zh-CN" altLang="en-US" smtClean="0"/>
-              <a:t>：当前自研配置中心的特点和优化方案</a:t>
-            </a:r>
-            <a:endParaRPr lang="en-US" altLang="zh-CN" smtClean="0"/>
-          </a:p>
-          <a:p>
-            <a:endParaRPr lang="zh-CN" altLang="en-US" dirty="0"/>
-          </a:p>
-        </p:txBody>
-      </p:sp>
+        </p:nvPicPr>
+        <p:blipFill>
+          <a:blip r:embed="rId2"/>
+          <a:stretch>
+            <a:fillRect/>
+          </a:stretch>
+        </p:blipFill>
+        <p:spPr>
+          <a:xfrm>
+            <a:off x="2108255" y="2357873"/>
+            <a:ext cx="7035451" cy="3167200"/>
+          </a:xfrm>
+          <a:prstGeom prst="rect">
+            <a:avLst/>
+          </a:prstGeom>
+        </p:spPr>
+      </p:pic>
     </p:spTree>
     <p:extLst>
       <p:ext uri="{BB962C8B-B14F-4D97-AF65-F5344CB8AC3E}">
-        <p14:creationId xmlns:p14="http://schemas.microsoft.com/office/powerpoint/2010/main" val="300035022"/>
+        <p14:creationId xmlns:p14="http://schemas.microsoft.com/office/powerpoint/2010/main" val="1914184639"/>
       </p:ext>
     </p:extLst>
   </p:cSld>
@@ -4987,6 +5073,301 @@
           <a:p>
             <a:r>
               <a:rPr lang="zh-CN" altLang="en-US" dirty="0" smtClean="0"/>
+              <a:t>存储层：</a:t>
+            </a:r>
+            <a:r>
+              <a:rPr lang="en-US" altLang="zh-CN" dirty="0" err="1" smtClean="0"/>
+              <a:t>MySQL+Redis</a:t>
+            </a:r>
+            <a:endParaRPr lang="zh-CN" altLang="en-US" dirty="0"/>
+          </a:p>
+        </p:txBody>
+      </p:sp>
+      <p:sp>
+        <p:nvSpPr>
+          <p:cNvPr id="3" name="内容占位符 2"/>
+          <p:cNvSpPr>
+            <a:spLocks noGrp="1"/>
+          </p:cNvSpPr>
+          <p:nvPr>
+            <p:ph idx="1"/>
+          </p:nvPr>
+        </p:nvSpPr>
+        <p:spPr/>
+        <p:txBody>
+          <a:bodyPr/>
+          <a:lstStyle/>
+          <a:p>
+            <a:r>
+              <a:rPr lang="en-US" altLang="zh-CN" dirty="0" smtClean="0"/>
+              <a:t>MySQL</a:t>
+            </a:r>
+            <a:r>
+              <a:rPr lang="zh-CN" altLang="en-US" dirty="0" smtClean="0"/>
+              <a:t>：主从</a:t>
+            </a:r>
+            <a:endParaRPr lang="en-US" altLang="zh-CN" dirty="0" smtClean="0"/>
+          </a:p>
+          <a:p>
+            <a:r>
+              <a:rPr lang="en-US" altLang="zh-CN" dirty="0" err="1" smtClean="0"/>
+              <a:t>redis</a:t>
+            </a:r>
+            <a:r>
+              <a:rPr lang="zh-CN" altLang="en-US" dirty="0" smtClean="0"/>
+              <a:t>：主从</a:t>
+            </a:r>
+            <a:r>
+              <a:rPr lang="en-US" altLang="zh-CN" dirty="0" smtClean="0"/>
+              <a:t>/</a:t>
+            </a:r>
+            <a:r>
+              <a:rPr lang="zh-CN" altLang="en-US" dirty="0" smtClean="0"/>
+              <a:t>集群</a:t>
+            </a:r>
+            <a:endParaRPr lang="en-US" altLang="zh-CN" dirty="0" smtClean="0"/>
+          </a:p>
+          <a:p>
+            <a:r>
+              <a:rPr lang="en-US" altLang="zh-CN" dirty="0" err="1" smtClean="0"/>
+              <a:t>db</a:t>
+            </a:r>
+            <a:r>
+              <a:rPr lang="zh-CN" altLang="en-US" dirty="0" smtClean="0"/>
+              <a:t>和缓存一致性方案：代理服务</a:t>
+            </a:r>
+            <a:endParaRPr lang="zh-CN" altLang="en-US" dirty="0"/>
+          </a:p>
+        </p:txBody>
+      </p:sp>
+    </p:spTree>
+    <p:extLst>
+      <p:ext uri="{BB962C8B-B14F-4D97-AF65-F5344CB8AC3E}">
+        <p14:creationId xmlns:p14="http://schemas.microsoft.com/office/powerpoint/2010/main" val="2655823133"/>
+      </p:ext>
+    </p:extLst>
+  </p:cSld>
+  <p:clrMapOvr>
+    <a:masterClrMapping/>
+  </p:clrMapOvr>
+</p:sld>
+</file>
+
+<file path=ppt/slides/slide22.xml><?xml version="1.0" encoding="utf-8"?>
+<p:sld xmlns:a="http://schemas.openxmlformats.org/drawingml/2006/main" xmlns:r="http://schemas.openxmlformats.org/officeDocument/2006/relationships" xmlns:p="http://schemas.openxmlformats.org/presentationml/2006/main">
+  <p:cSld>
+    <p:spTree>
+      <p:nvGrpSpPr>
+        <p:cNvPr id="1" name=""/>
+        <p:cNvGrpSpPr/>
+        <p:nvPr/>
+      </p:nvGrpSpPr>
+      <p:grpSpPr>
+        <a:xfrm>
+          <a:off x="0" y="0"/>
+          <a:ext cx="0" cy="0"/>
+          <a:chOff x="0" y="0"/>
+          <a:chExt cx="0" cy="0"/>
+        </a:xfrm>
+      </p:grpSpPr>
+      <p:sp>
+        <p:nvSpPr>
+          <p:cNvPr id="2" name="标题 1"/>
+          <p:cNvSpPr>
+            <a:spLocks noGrp="1"/>
+          </p:cNvSpPr>
+          <p:nvPr>
+            <p:ph type="title"/>
+          </p:nvPr>
+        </p:nvSpPr>
+        <p:spPr/>
+        <p:txBody>
+          <a:bodyPr/>
+          <a:lstStyle/>
+          <a:p>
+            <a:r>
+              <a:rPr lang="zh-CN" altLang="en-US" dirty="0"/>
+              <a:t>基础模块</a:t>
+            </a:r>
+            <a:r>
+              <a:rPr lang="zh-CN" altLang="en-US" dirty="0" smtClean="0"/>
+              <a:t>：监控统计</a:t>
+            </a:r>
+            <a:endParaRPr lang="zh-CN" altLang="en-US" dirty="0"/>
+          </a:p>
+        </p:txBody>
+      </p:sp>
+      <p:sp>
+        <p:nvSpPr>
+          <p:cNvPr id="3" name="内容占位符 2"/>
+          <p:cNvSpPr>
+            <a:spLocks noGrp="1"/>
+          </p:cNvSpPr>
+          <p:nvPr>
+            <p:ph idx="1"/>
+          </p:nvPr>
+        </p:nvSpPr>
+        <p:spPr/>
+        <p:txBody>
+          <a:bodyPr/>
+          <a:lstStyle/>
+          <a:p>
+            <a:endParaRPr lang="zh-CN" altLang="en-US"/>
+          </a:p>
+        </p:txBody>
+      </p:sp>
+    </p:spTree>
+    <p:extLst>
+      <p:ext uri="{BB962C8B-B14F-4D97-AF65-F5344CB8AC3E}">
+        <p14:creationId xmlns:p14="http://schemas.microsoft.com/office/powerpoint/2010/main" val="1456476489"/>
+      </p:ext>
+    </p:extLst>
+  </p:cSld>
+  <p:clrMapOvr>
+    <a:masterClrMapping/>
+  </p:clrMapOvr>
+</p:sld>
+</file>
+
+<file path=ppt/slides/slide23.xml><?xml version="1.0" encoding="utf-8"?>
+<p:sld xmlns:a="http://schemas.openxmlformats.org/drawingml/2006/main" xmlns:r="http://schemas.openxmlformats.org/officeDocument/2006/relationships" xmlns:p="http://schemas.openxmlformats.org/presentationml/2006/main">
+  <p:cSld>
+    <p:spTree>
+      <p:nvGrpSpPr>
+        <p:cNvPr id="1" name=""/>
+        <p:cNvGrpSpPr/>
+        <p:nvPr/>
+      </p:nvGrpSpPr>
+      <p:grpSpPr>
+        <a:xfrm>
+          <a:off x="0" y="0"/>
+          <a:ext cx="0" cy="0"/>
+          <a:chOff x="0" y="0"/>
+          <a:chExt cx="0" cy="0"/>
+        </a:xfrm>
+      </p:grpSpPr>
+      <p:sp>
+        <p:nvSpPr>
+          <p:cNvPr id="2" name="标题 1"/>
+          <p:cNvSpPr>
+            <a:spLocks noGrp="1"/>
+          </p:cNvSpPr>
+          <p:nvPr>
+            <p:ph type="title"/>
+          </p:nvPr>
+        </p:nvSpPr>
+        <p:spPr/>
+        <p:txBody>
+          <a:bodyPr/>
+          <a:lstStyle/>
+          <a:p>
+            <a:r>
+              <a:rPr lang="zh-CN" altLang="en-US" dirty="0" smtClean="0"/>
+              <a:t>可优化的点</a:t>
+            </a:r>
+            <a:endParaRPr lang="zh-CN" altLang="en-US" dirty="0"/>
+          </a:p>
+        </p:txBody>
+      </p:sp>
+      <p:sp>
+        <p:nvSpPr>
+          <p:cNvPr id="3" name="内容占位符 2"/>
+          <p:cNvSpPr>
+            <a:spLocks noGrp="1"/>
+          </p:cNvSpPr>
+          <p:nvPr>
+            <p:ph idx="1"/>
+          </p:nvPr>
+        </p:nvSpPr>
+        <p:spPr/>
+        <p:txBody>
+          <a:bodyPr/>
+          <a:lstStyle/>
+          <a:p>
+            <a:r>
+              <a:rPr lang="zh-CN" altLang="en-US" dirty="0" smtClean="0"/>
+              <a:t>异步编程优化：</a:t>
+            </a:r>
+            <a:r>
+              <a:rPr lang="en-US" altLang="zh-CN" dirty="0" smtClean="0"/>
+              <a:t>why</a:t>
+            </a:r>
+            <a:r>
+              <a:rPr lang="zh-CN" altLang="en-US" dirty="0"/>
+              <a:t>？</a:t>
+            </a:r>
+            <a:r>
+              <a:rPr lang="zh-CN" altLang="en-US" dirty="0" smtClean="0"/>
+              <a:t>协程的引入及其改造</a:t>
+            </a:r>
+            <a:endParaRPr lang="en-US" altLang="zh-CN" dirty="0" smtClean="0"/>
+          </a:p>
+          <a:p>
+            <a:r>
+              <a:rPr lang="zh-CN" altLang="en-US" dirty="0" smtClean="0"/>
+              <a:t>数据库和缓存同步的优化：当前的方案和优化方案</a:t>
+            </a:r>
+            <a:endParaRPr lang="en-US" altLang="zh-CN" dirty="0" smtClean="0"/>
+          </a:p>
+          <a:p>
+            <a:r>
+              <a:rPr lang="zh-CN" altLang="en-US" dirty="0" smtClean="0"/>
+              <a:t>配置中心优化：当前自研配置中心的特点和优化方案</a:t>
+            </a:r>
+            <a:endParaRPr lang="en-US" altLang="zh-CN" dirty="0" smtClean="0"/>
+          </a:p>
+          <a:p>
+            <a:endParaRPr lang="zh-CN" altLang="en-US" dirty="0"/>
+          </a:p>
+        </p:txBody>
+      </p:sp>
+    </p:spTree>
+    <p:extLst>
+      <p:ext uri="{BB962C8B-B14F-4D97-AF65-F5344CB8AC3E}">
+        <p14:creationId xmlns:p14="http://schemas.microsoft.com/office/powerpoint/2010/main" val="300035022"/>
+      </p:ext>
+    </p:extLst>
+  </p:cSld>
+  <p:clrMapOvr>
+    <a:masterClrMapping/>
+  </p:clrMapOvr>
+</p:sld>
+</file>
+
+<file path=ppt/slides/slide24.xml><?xml version="1.0" encoding="utf-8"?>
+<p:sld xmlns:a="http://schemas.openxmlformats.org/drawingml/2006/main" xmlns:r="http://schemas.openxmlformats.org/officeDocument/2006/relationships" xmlns:p="http://schemas.openxmlformats.org/presentationml/2006/main">
+  <p:cSld>
+    <p:spTree>
+      <p:nvGrpSpPr>
+        <p:cNvPr id="1" name=""/>
+        <p:cNvGrpSpPr/>
+        <p:nvPr/>
+      </p:nvGrpSpPr>
+      <p:grpSpPr>
+        <a:xfrm>
+          <a:off x="0" y="0"/>
+          <a:ext cx="0" cy="0"/>
+          <a:chOff x="0" y="0"/>
+          <a:chExt cx="0" cy="0"/>
+        </a:xfrm>
+      </p:grpSpPr>
+      <p:sp>
+        <p:nvSpPr>
+          <p:cNvPr id="2" name="标题 1"/>
+          <p:cNvSpPr>
+            <a:spLocks noGrp="1"/>
+          </p:cNvSpPr>
+          <p:nvPr>
+            <p:ph type="title"/>
+          </p:nvPr>
+        </p:nvSpPr>
+        <p:spPr/>
+        <p:txBody>
+          <a:bodyPr/>
+          <a:lstStyle/>
+          <a:p>
+            <a:r>
+              <a:rPr lang="zh-CN" altLang="en-US" dirty="0" smtClean="0"/>
               <a:t>其他：构造请求包的技巧</a:t>
             </a:r>
             <a:endParaRPr lang="zh-CN" altLang="en-US" dirty="0"/>
@@ -5184,7 +5565,7 @@
 </p:sld>
 </file>
 
-<file path=ppt/slides/slide22.xml><?xml version="1.0" encoding="utf-8"?>
+<file path=ppt/slides/slide25.xml><?xml version="1.0" encoding="utf-8"?>
 <p:sld xmlns:a="http://schemas.openxmlformats.org/drawingml/2006/main" xmlns:r="http://schemas.openxmlformats.org/officeDocument/2006/relationships" xmlns:p="http://schemas.openxmlformats.org/presentationml/2006/main">
   <p:cSld>
     <p:spTree>

--- a/智能家居项目架构.pptx
+++ b/智能家居项目架构.pptx
@@ -19,17 +19,18 @@
     <p:sldId id="276" r:id="rId13"/>
     <p:sldId id="277" r:id="rId14"/>
     <p:sldId id="278" r:id="rId15"/>
-    <p:sldId id="261" r:id="rId16"/>
-    <p:sldId id="267" r:id="rId17"/>
-    <p:sldId id="264" r:id="rId18"/>
-    <p:sldId id="279" r:id="rId19"/>
-    <p:sldId id="280" r:id="rId20"/>
-    <p:sldId id="281" r:id="rId21"/>
-    <p:sldId id="262" r:id="rId22"/>
-    <p:sldId id="265" r:id="rId23"/>
-    <p:sldId id="266" r:id="rId24"/>
-    <p:sldId id="268" r:id="rId25"/>
-    <p:sldId id="272" r:id="rId26"/>
+    <p:sldId id="282" r:id="rId16"/>
+    <p:sldId id="261" r:id="rId17"/>
+    <p:sldId id="267" r:id="rId18"/>
+    <p:sldId id="264" r:id="rId19"/>
+    <p:sldId id="279" r:id="rId20"/>
+    <p:sldId id="280" r:id="rId21"/>
+    <p:sldId id="281" r:id="rId22"/>
+    <p:sldId id="262" r:id="rId23"/>
+    <p:sldId id="265" r:id="rId24"/>
+    <p:sldId id="266" r:id="rId25"/>
+    <p:sldId id="268" r:id="rId26"/>
+    <p:sldId id="272" r:id="rId27"/>
   </p:sldIdLst>
   <p:sldSz cx="12192000" cy="6858000"/>
   <p:notesSz cx="6858000" cy="9144000"/>
@@ -267,7 +268,7 @@
           <a:p>
             <a:fld id="{8EA951B2-F47D-4952-BC58-DA36E3AD9060}" type="datetimeFigureOut">
               <a:rPr lang="zh-CN" altLang="en-US" smtClean="0"/>
-              <a:t>2020-1-13</a:t>
+              <a:t>2020-5-6</a:t>
             </a:fld>
             <a:endParaRPr lang="zh-CN" altLang="en-US"/>
           </a:p>
@@ -437,7 +438,7 @@
           <a:p>
             <a:fld id="{8EA951B2-F47D-4952-BC58-DA36E3AD9060}" type="datetimeFigureOut">
               <a:rPr lang="zh-CN" altLang="en-US" smtClean="0"/>
-              <a:t>2020-1-13</a:t>
+              <a:t>2020-5-6</a:t>
             </a:fld>
             <a:endParaRPr lang="zh-CN" altLang="en-US"/>
           </a:p>
@@ -617,7 +618,7 @@
           <a:p>
             <a:fld id="{8EA951B2-F47D-4952-BC58-DA36E3AD9060}" type="datetimeFigureOut">
               <a:rPr lang="zh-CN" altLang="en-US" smtClean="0"/>
-              <a:t>2020-1-13</a:t>
+              <a:t>2020-5-6</a:t>
             </a:fld>
             <a:endParaRPr lang="zh-CN" altLang="en-US"/>
           </a:p>
@@ -787,7 +788,7 @@
           <a:p>
             <a:fld id="{8EA951B2-F47D-4952-BC58-DA36E3AD9060}" type="datetimeFigureOut">
               <a:rPr lang="zh-CN" altLang="en-US" smtClean="0"/>
-              <a:t>2020-1-13</a:t>
+              <a:t>2020-5-6</a:t>
             </a:fld>
             <a:endParaRPr lang="zh-CN" altLang="en-US"/>
           </a:p>
@@ -1033,7 +1034,7 @@
           <a:p>
             <a:fld id="{8EA951B2-F47D-4952-BC58-DA36E3AD9060}" type="datetimeFigureOut">
               <a:rPr lang="zh-CN" altLang="en-US" smtClean="0"/>
-              <a:t>2020-1-13</a:t>
+              <a:t>2020-5-6</a:t>
             </a:fld>
             <a:endParaRPr lang="zh-CN" altLang="en-US"/>
           </a:p>
@@ -1265,7 +1266,7 @@
           <a:p>
             <a:fld id="{8EA951B2-F47D-4952-BC58-DA36E3AD9060}" type="datetimeFigureOut">
               <a:rPr lang="zh-CN" altLang="en-US" smtClean="0"/>
-              <a:t>2020-1-13</a:t>
+              <a:t>2020-5-6</a:t>
             </a:fld>
             <a:endParaRPr lang="zh-CN" altLang="en-US"/>
           </a:p>
@@ -1632,7 +1633,7 @@
           <a:p>
             <a:fld id="{8EA951B2-F47D-4952-BC58-DA36E3AD9060}" type="datetimeFigureOut">
               <a:rPr lang="zh-CN" altLang="en-US" smtClean="0"/>
-              <a:t>2020-1-13</a:t>
+              <a:t>2020-5-6</a:t>
             </a:fld>
             <a:endParaRPr lang="zh-CN" altLang="en-US"/>
           </a:p>
@@ -1750,7 +1751,7 @@
           <a:p>
             <a:fld id="{8EA951B2-F47D-4952-BC58-DA36E3AD9060}" type="datetimeFigureOut">
               <a:rPr lang="zh-CN" altLang="en-US" smtClean="0"/>
-              <a:t>2020-1-13</a:t>
+              <a:t>2020-5-6</a:t>
             </a:fld>
             <a:endParaRPr lang="zh-CN" altLang="en-US"/>
           </a:p>
@@ -1845,7 +1846,7 @@
           <a:p>
             <a:fld id="{8EA951B2-F47D-4952-BC58-DA36E3AD9060}" type="datetimeFigureOut">
               <a:rPr lang="zh-CN" altLang="en-US" smtClean="0"/>
-              <a:t>2020-1-13</a:t>
+              <a:t>2020-5-6</a:t>
             </a:fld>
             <a:endParaRPr lang="zh-CN" altLang="en-US"/>
           </a:p>
@@ -2122,7 +2123,7 @@
           <a:p>
             <a:fld id="{8EA951B2-F47D-4952-BC58-DA36E3AD9060}" type="datetimeFigureOut">
               <a:rPr lang="zh-CN" altLang="en-US" smtClean="0"/>
-              <a:t>2020-1-13</a:t>
+              <a:t>2020-5-6</a:t>
             </a:fld>
             <a:endParaRPr lang="zh-CN" altLang="en-US"/>
           </a:p>
@@ -2375,7 +2376,7 @@
           <a:p>
             <a:fld id="{8EA951B2-F47D-4952-BC58-DA36E3AD9060}" type="datetimeFigureOut">
               <a:rPr lang="zh-CN" altLang="en-US" smtClean="0"/>
-              <a:t>2020-1-13</a:t>
+              <a:t>2020-5-6</a:t>
             </a:fld>
             <a:endParaRPr lang="zh-CN" altLang="en-US"/>
           </a:p>
@@ -2588,7 +2589,7 @@
           <a:p>
             <a:fld id="{8EA951B2-F47D-4952-BC58-DA36E3AD9060}" type="datetimeFigureOut">
               <a:rPr lang="zh-CN" altLang="en-US" smtClean="0"/>
-              <a:t>2020-1-13</a:t>
+              <a:t>2020-5-6</a:t>
             </a:fld>
             <a:endParaRPr lang="zh-CN" altLang="en-US"/>
           </a:p>
@@ -4126,7 +4127,7 @@
           <a:p>
             <a:r>
               <a:rPr lang="zh-CN" altLang="en-US" dirty="0" smtClean="0"/>
-              <a:t>业务层：微服务化</a:t>
+              <a:t>接入层难点：会话共享</a:t>
             </a:r>
             <a:endParaRPr lang="zh-CN" altLang="en-US" dirty="0"/>
           </a:p>
@@ -4147,41 +4148,139 @@
           <a:bodyPr/>
           <a:lstStyle/>
           <a:p>
-            <a:r>
-              <a:rPr lang="zh-CN" altLang="en-US" dirty="0" smtClean="0"/>
-              <a:t>基础服务</a:t>
+            <a:pPr marL="0" indent="0">
+              <a:buNone/>
+            </a:pPr>
+            <a:r>
+              <a:rPr lang="zh-CN" altLang="en-US" dirty="0" smtClean="0"/>
+              <a:t>不同的用户挂在不同的接入服务器上，而业务中有如下两个需求：</a:t>
+            </a:r>
+            <a:endParaRPr lang="en-US" altLang="zh-CN" dirty="0" smtClean="0"/>
+          </a:p>
+          <a:p>
+            <a:pPr marL="514350" indent="-514350">
+              <a:buFont typeface="+mj-lt"/>
+              <a:buAutoNum type="arabicPeriod"/>
+            </a:pPr>
+            <a:r>
+              <a:rPr lang="zh-CN" altLang="en-US" dirty="0" smtClean="0"/>
+              <a:t>一个用户支持多个客户端同时登录并收发消息</a:t>
+            </a:r>
+            <a:endParaRPr lang="en-US" altLang="zh-CN" dirty="0" smtClean="0"/>
+          </a:p>
+          <a:p>
+            <a:pPr marL="514350" indent="-514350">
+              <a:buFont typeface="+mj-lt"/>
+              <a:buAutoNum type="arabicPeriod"/>
+            </a:pPr>
+            <a:r>
+              <a:rPr lang="zh-CN" altLang="en-US" dirty="0" smtClean="0"/>
+              <a:t>不同用户之间以云端为中转进行通信。</a:t>
+            </a:r>
+            <a:endParaRPr lang="en-US" altLang="zh-CN" dirty="0" smtClean="0"/>
+          </a:p>
+          <a:p>
+            <a:pPr marL="0" indent="0">
+              <a:buNone/>
+            </a:pPr>
+            <a:r>
+              <a:rPr lang="zh-CN" altLang="en-US" dirty="0" smtClean="0"/>
+              <a:t>每个接入</a:t>
+            </a:r>
+            <a:r>
+              <a:rPr lang="zh-CN" altLang="en-US" dirty="0" smtClean="0"/>
+              <a:t>服务器</a:t>
+            </a:r>
+            <a:r>
+              <a:rPr lang="zh-CN" altLang="en-US" dirty="0" smtClean="0"/>
+              <a:t>负责维护用户的会话信息：</a:t>
+            </a:r>
+            <a:r>
+              <a:rPr lang="zh-CN" altLang="en-US" dirty="0" smtClean="0"/>
+              <a:t>在客户端成功</a:t>
+            </a:r>
+            <a:r>
+              <a:rPr lang="zh-CN" altLang="en-US" dirty="0" smtClean="0"/>
+              <a:t>登录后，将用户的会话信息写入到</a:t>
+            </a:r>
+            <a:r>
+              <a:rPr lang="en-US" altLang="zh-CN" dirty="0" err="1" smtClean="0"/>
+              <a:t>redis</a:t>
+            </a:r>
+            <a:r>
+              <a:rPr lang="zh-CN" altLang="en-US" dirty="0" smtClean="0"/>
+              <a:t>中保存起来</a:t>
+            </a:r>
+            <a:r>
+              <a:rPr lang="zh-CN" altLang="en-US" dirty="0"/>
+              <a:t>。在客户端登</a:t>
+            </a:r>
+            <a:r>
+              <a:rPr lang="zh-CN" altLang="en-US" dirty="0" smtClean="0"/>
+              <a:t>出后，将会话信息从</a:t>
+            </a:r>
+            <a:r>
+              <a:rPr lang="en-US" altLang="zh-CN" dirty="0" err="1" smtClean="0"/>
+              <a:t>redis</a:t>
+            </a:r>
+            <a:r>
+              <a:rPr lang="zh-CN" altLang="en-US" dirty="0" smtClean="0"/>
+              <a:t>中移除。</a:t>
+            </a:r>
+            <a:endParaRPr lang="en-US" altLang="zh-CN" dirty="0" smtClean="0"/>
+          </a:p>
+          <a:p>
+            <a:pPr marL="0" indent="0">
+              <a:buNone/>
+            </a:pPr>
+            <a:r>
+              <a:rPr lang="en-US" altLang="zh-CN" dirty="0" err="1" smtClean="0"/>
+              <a:t>mdp_svr</a:t>
+            </a:r>
+            <a:r>
+              <a:rPr lang="zh-CN" altLang="en-US" dirty="0" smtClean="0"/>
+              <a:t>收到一对多的消息传递或者消息转发时，从</a:t>
+            </a:r>
+            <a:r>
+              <a:rPr lang="en-US" altLang="zh-CN" dirty="0" err="1" smtClean="0"/>
+              <a:t>redis</a:t>
+            </a:r>
+            <a:r>
+              <a:rPr lang="zh-CN" altLang="en-US" dirty="0" smtClean="0"/>
+              <a:t>中的共享会话池取出用户</a:t>
             </a:r>
             <a:r>
               <a:rPr lang="en-US" altLang="zh-CN" dirty="0" smtClean="0"/>
-              <a:t>:</a:t>
-            </a:r>
-            <a:r>
-              <a:rPr lang="zh-CN" altLang="en-US" dirty="0" smtClean="0"/>
-              <a:t>配置中心、</a:t>
-            </a:r>
-            <a:r>
-              <a:rPr lang="en-US" altLang="zh-CN" dirty="0" smtClean="0"/>
-              <a:t>ID</a:t>
-            </a:r>
-            <a:r>
-              <a:rPr lang="zh-CN" altLang="en-US" dirty="0" smtClean="0"/>
-              <a:t>生成器</a:t>
+              <a:t>id</a:t>
+            </a:r>
+            <a:r>
+              <a:rPr lang="zh-CN" altLang="en-US" dirty="0" smtClean="0"/>
+              <a:t>对应的所有</a:t>
+            </a:r>
+            <a:r>
+              <a:rPr lang="en-US" altLang="zh-CN" dirty="0" err="1" smtClean="0"/>
+              <a:t>tcp</a:t>
+            </a:r>
+            <a:r>
+              <a:rPr lang="zh-CN" altLang="en-US" dirty="0" smtClean="0"/>
+              <a:t>会话，然后将</a:t>
+            </a:r>
+            <a:r>
+              <a:rPr lang="en-US" altLang="zh-CN" dirty="0" err="1" smtClean="0"/>
+              <a:t>tcp</a:t>
+            </a:r>
+            <a:r>
+              <a:rPr lang="zh-CN" altLang="en-US" dirty="0" smtClean="0"/>
+              <a:t>包内容转发给对应的会话。</a:t>
             </a:r>
             <a:endParaRPr lang="en-US" altLang="zh-CN" dirty="0" smtClean="0"/>
-          </a:p>
-          <a:p>
-            <a:r>
-              <a:rPr lang="zh-CN" altLang="en-US" dirty="0" smtClean="0"/>
-              <a:t>其它服务：用户服务、家庭服务、设备服务</a:t>
-            </a:r>
-            <a:endParaRPr lang="zh-CN" altLang="en-US" dirty="0"/>
           </a:p>
         </p:txBody>
       </p:sp>
     </p:spTree>
     <p:extLst>
       <p:ext uri="{BB962C8B-B14F-4D97-AF65-F5344CB8AC3E}">
-        <p14:creationId xmlns:p14="http://schemas.microsoft.com/office/powerpoint/2010/main" val="50984943"/>
+        <p14:creationId xmlns:p14="http://schemas.microsoft.com/office/powerpoint/2010/main" val="3683370247"/>
       </p:ext>
     </p:extLst>
   </p:cSld>
@@ -4225,7 +4324,38 @@
           <a:p>
             <a:r>
               <a:rPr lang="zh-CN" altLang="en-US" dirty="0" smtClean="0"/>
-              <a:t>基础服务：</a:t>
+              <a:t>业务层：微服务化</a:t>
+            </a:r>
+            <a:endParaRPr lang="zh-CN" altLang="en-US" dirty="0"/>
+          </a:p>
+        </p:txBody>
+      </p:sp>
+      <p:sp>
+        <p:nvSpPr>
+          <p:cNvPr id="3" name="内容占位符 2"/>
+          <p:cNvSpPr>
+            <a:spLocks noGrp="1"/>
+          </p:cNvSpPr>
+          <p:nvPr>
+            <p:ph idx="1"/>
+          </p:nvPr>
+        </p:nvSpPr>
+        <p:spPr/>
+        <p:txBody>
+          <a:bodyPr/>
+          <a:lstStyle/>
+          <a:p>
+            <a:r>
+              <a:rPr lang="zh-CN" altLang="en-US" dirty="0" smtClean="0"/>
+              <a:t>基础服务</a:t>
+            </a:r>
+            <a:r>
+              <a:rPr lang="en-US" altLang="zh-CN" dirty="0" smtClean="0"/>
+              <a:t>:</a:t>
+            </a:r>
+            <a:r>
+              <a:rPr lang="zh-CN" altLang="en-US" dirty="0" smtClean="0"/>
+              <a:t>配置中心、</a:t>
             </a:r>
             <a:r>
               <a:rPr lang="en-US" altLang="zh-CN" dirty="0" smtClean="0"/>
@@ -4235,211 +4365,21 @@
               <a:rPr lang="zh-CN" altLang="en-US" dirty="0" smtClean="0"/>
               <a:t>生成器</a:t>
             </a:r>
+            <a:endParaRPr lang="en-US" altLang="zh-CN" dirty="0" smtClean="0"/>
+          </a:p>
+          <a:p>
+            <a:r>
+              <a:rPr lang="zh-CN" altLang="en-US" dirty="0" smtClean="0"/>
+              <a:t>其它服务：用户服务、家庭服务、设备服务</a:t>
+            </a:r>
             <a:endParaRPr lang="zh-CN" altLang="en-US" dirty="0"/>
-          </a:p>
-        </p:txBody>
-      </p:sp>
-      <p:sp>
-        <p:nvSpPr>
-          <p:cNvPr id="3" name="内容占位符 2"/>
-          <p:cNvSpPr>
-            <a:spLocks noGrp="1"/>
-          </p:cNvSpPr>
-          <p:nvPr>
-            <p:ph idx="1"/>
-          </p:nvPr>
-        </p:nvSpPr>
-        <p:spPr/>
-        <p:txBody>
-          <a:bodyPr>
-            <a:normAutofit/>
-          </a:bodyPr>
-          <a:lstStyle/>
-          <a:p>
-            <a:pPr marL="0" indent="0">
-              <a:buNone/>
-            </a:pPr>
-            <a:r>
-              <a:rPr lang="zh-CN" altLang="en-US" sz="2000" dirty="0" smtClean="0"/>
-              <a:t>基于</a:t>
-            </a:r>
-            <a:r>
-              <a:rPr lang="en-US" altLang="zh-CN" sz="2000" dirty="0" smtClean="0"/>
-              <a:t>MySQL</a:t>
-            </a:r>
-            <a:r>
-              <a:rPr lang="zh-CN" altLang="en-US" sz="2000" dirty="0" smtClean="0"/>
-              <a:t>的</a:t>
-            </a:r>
-            <a:r>
-              <a:rPr lang="en-US" altLang="zh-CN" sz="2000" dirty="0" err="1" smtClean="0"/>
-              <a:t>uuid</a:t>
-            </a:r>
-            <a:r>
-              <a:rPr lang="zh-CN" altLang="en-US" sz="2000" dirty="0" smtClean="0"/>
-              <a:t>生成器</a:t>
-            </a:r>
-            <a:endParaRPr lang="en-US" altLang="zh-CN" sz="2000" dirty="0" smtClean="0"/>
-          </a:p>
-          <a:p>
-            <a:r>
-              <a:rPr lang="zh-CN" altLang="en-US" sz="2000" dirty="0" smtClean="0"/>
-              <a:t>普通方法：使用一个</a:t>
-            </a:r>
-            <a:r>
-              <a:rPr lang="en-US" altLang="zh-CN" sz="2000" dirty="0" err="1" smtClean="0"/>
-              <a:t>bigint</a:t>
-            </a:r>
-            <a:r>
-              <a:rPr lang="zh-CN" altLang="en-US" sz="2000" dirty="0" smtClean="0"/>
-              <a:t>类型字段</a:t>
-            </a:r>
-            <a:r>
-              <a:rPr lang="en-US" altLang="zh-CN" sz="2000" dirty="0" smtClean="0"/>
-              <a:t>index</a:t>
-            </a:r>
-            <a:r>
-              <a:rPr lang="zh-CN" altLang="en-US" sz="2000" dirty="0" smtClean="0"/>
-              <a:t>来记录已经分配过的</a:t>
-            </a:r>
-            <a:r>
-              <a:rPr lang="en-US" altLang="zh-CN" sz="2000" dirty="0" smtClean="0"/>
-              <a:t>ID</a:t>
-            </a:r>
-            <a:r>
-              <a:rPr lang="zh-CN" altLang="en-US" sz="2000" dirty="0" smtClean="0"/>
-              <a:t>。当请求获取新</a:t>
-            </a:r>
-            <a:r>
-              <a:rPr lang="en-US" altLang="zh-CN" sz="2000" dirty="0" smtClean="0"/>
-              <a:t>ID</a:t>
-            </a:r>
-            <a:r>
-              <a:rPr lang="zh-CN" altLang="en-US" sz="2000" dirty="0" smtClean="0"/>
-              <a:t>时，</a:t>
-            </a:r>
-            <a:r>
-              <a:rPr lang="en-US" altLang="zh-CN" sz="2000" dirty="0" smtClean="0"/>
-              <a:t>get</a:t>
-            </a:r>
-            <a:r>
-              <a:rPr lang="zh-CN" altLang="en-US" sz="2000" dirty="0" smtClean="0"/>
-              <a:t>出该字段加</a:t>
-            </a:r>
-            <a:r>
-              <a:rPr lang="en-US" altLang="zh-CN" sz="2000" dirty="0" smtClean="0"/>
-              <a:t>1</a:t>
-            </a:r>
-            <a:r>
-              <a:rPr lang="zh-CN" altLang="en-US" sz="2000" dirty="0" smtClean="0"/>
-              <a:t>并回写到</a:t>
-            </a:r>
-            <a:r>
-              <a:rPr lang="en-US" altLang="zh-CN" sz="2000" dirty="0" err="1" smtClean="0"/>
-              <a:t>mysql</a:t>
-            </a:r>
-            <a:r>
-              <a:rPr lang="zh-CN" altLang="en-US" sz="2000" dirty="0" smtClean="0"/>
-              <a:t>中。优点：强一致性。缺点：</a:t>
-            </a:r>
-            <a:r>
-              <a:rPr lang="en-US" altLang="zh-CN" sz="2000" dirty="0" err="1" smtClean="0"/>
-              <a:t>mysql</a:t>
-            </a:r>
-            <a:r>
-              <a:rPr lang="zh-CN" altLang="en-US" sz="2000" dirty="0" smtClean="0"/>
-              <a:t>读写比</a:t>
-            </a:r>
-            <a:r>
-              <a:rPr lang="en-US" altLang="zh-CN" sz="2000" dirty="0" smtClean="0"/>
-              <a:t>1:1</a:t>
-            </a:r>
-            <a:r>
-              <a:rPr lang="zh-CN" altLang="en-US" sz="2000" dirty="0" smtClean="0"/>
-              <a:t>，当请求很大时给</a:t>
-            </a:r>
-            <a:r>
-              <a:rPr lang="en-US" altLang="zh-CN" sz="2000" dirty="0" err="1" smtClean="0"/>
-              <a:t>mysql</a:t>
-            </a:r>
-            <a:r>
-              <a:rPr lang="zh-CN" altLang="en-US" sz="2000" dirty="0" smtClean="0"/>
-              <a:t>造成很大的压力，性能不好。</a:t>
-            </a:r>
-            <a:endParaRPr lang="en-US" altLang="zh-CN" sz="2000" dirty="0" smtClean="0"/>
-          </a:p>
-          <a:p>
-            <a:r>
-              <a:rPr lang="zh-CN" altLang="en-US" sz="2000" dirty="0" smtClean="0"/>
-              <a:t>新方法：在普通方法的基础上，增加</a:t>
-            </a:r>
-            <a:r>
-              <a:rPr lang="en-US" altLang="zh-CN" sz="2000" dirty="0" err="1" smtClean="0"/>
-              <a:t>nprealloc</a:t>
-            </a:r>
-            <a:r>
-              <a:rPr lang="zh-CN" altLang="en-US" sz="2000" dirty="0" smtClean="0"/>
-              <a:t>字段。每次预取</a:t>
-            </a:r>
-            <a:r>
-              <a:rPr lang="en-US" altLang="zh-CN" sz="2000" dirty="0" err="1" smtClean="0"/>
-              <a:t>nprealloc</a:t>
-            </a:r>
-            <a:r>
-              <a:rPr lang="zh-CN" altLang="en-US" sz="2000" dirty="0" smtClean="0"/>
-              <a:t>个</a:t>
-            </a:r>
-            <a:r>
-              <a:rPr lang="en-US" altLang="zh-CN" sz="2000" dirty="0" smtClean="0"/>
-              <a:t>ID</a:t>
-            </a:r>
-            <a:r>
-              <a:rPr lang="zh-CN" altLang="en-US" sz="2000" dirty="0" smtClean="0"/>
-              <a:t>。当请求获取新</a:t>
-            </a:r>
-            <a:r>
-              <a:rPr lang="en-US" altLang="zh-CN" sz="2000" dirty="0" smtClean="0"/>
-              <a:t>ID</a:t>
-            </a:r>
-            <a:r>
-              <a:rPr lang="zh-CN" altLang="en-US" sz="2000" dirty="0" smtClean="0"/>
-              <a:t>时，从预取得</a:t>
-            </a:r>
-            <a:r>
-              <a:rPr lang="en-US" altLang="zh-CN" sz="2000" dirty="0" smtClean="0"/>
-              <a:t>ID</a:t>
-            </a:r>
-            <a:r>
-              <a:rPr lang="zh-CN" altLang="en-US" sz="2000" dirty="0" smtClean="0"/>
-              <a:t>池中获取即可。</a:t>
-            </a:r>
-            <a:endParaRPr lang="en-US" altLang="zh-CN" sz="2000" dirty="0" smtClean="0"/>
-          </a:p>
-          <a:p>
-            <a:r>
-              <a:rPr lang="zh-CN" altLang="en-US" sz="2000" dirty="0" smtClean="0"/>
-              <a:t>各种全局</a:t>
-            </a:r>
-            <a:r>
-              <a:rPr lang="en-US" altLang="zh-CN" sz="2000" dirty="0" smtClean="0"/>
-              <a:t>ID</a:t>
-            </a:r>
-            <a:r>
-              <a:rPr lang="zh-CN" altLang="en-US" sz="2000" dirty="0" smtClean="0"/>
-              <a:t>生成器详见</a:t>
-            </a:r>
-            <a:r>
-              <a:rPr lang="en-US" altLang="zh-CN" sz="2000" smtClean="0"/>
-              <a:t>PPT</a:t>
-            </a:r>
-            <a:endParaRPr lang="en-US" altLang="zh-CN" sz="2000" dirty="0" smtClean="0"/>
           </a:p>
         </p:txBody>
       </p:sp>
     </p:spTree>
     <p:extLst>
       <p:ext uri="{BB962C8B-B14F-4D97-AF65-F5344CB8AC3E}">
-        <p14:creationId xmlns:p14="http://schemas.microsoft.com/office/powerpoint/2010/main" val="3669381742"/>
+        <p14:creationId xmlns:p14="http://schemas.microsoft.com/office/powerpoint/2010/main" val="50984943"/>
       </p:ext>
     </p:extLst>
   </p:cSld>
@@ -4483,6 +4423,264 @@
           <a:p>
             <a:r>
               <a:rPr lang="zh-CN" altLang="en-US" dirty="0" smtClean="0"/>
+              <a:t>基础服务：</a:t>
+            </a:r>
+            <a:r>
+              <a:rPr lang="en-US" altLang="zh-CN" dirty="0" smtClean="0"/>
+              <a:t>ID</a:t>
+            </a:r>
+            <a:r>
+              <a:rPr lang="zh-CN" altLang="en-US" dirty="0" smtClean="0"/>
+              <a:t>生成器</a:t>
+            </a:r>
+            <a:endParaRPr lang="zh-CN" altLang="en-US" dirty="0"/>
+          </a:p>
+        </p:txBody>
+      </p:sp>
+      <p:sp>
+        <p:nvSpPr>
+          <p:cNvPr id="3" name="内容占位符 2"/>
+          <p:cNvSpPr>
+            <a:spLocks noGrp="1"/>
+          </p:cNvSpPr>
+          <p:nvPr>
+            <p:ph idx="1"/>
+          </p:nvPr>
+        </p:nvSpPr>
+        <p:spPr/>
+        <p:txBody>
+          <a:bodyPr>
+            <a:normAutofit/>
+          </a:bodyPr>
+          <a:lstStyle/>
+          <a:p>
+            <a:pPr marL="0" indent="0">
+              <a:buNone/>
+            </a:pPr>
+            <a:r>
+              <a:rPr lang="zh-CN" altLang="en-US" sz="2000" dirty="0" smtClean="0"/>
+              <a:t>基于</a:t>
+            </a:r>
+            <a:r>
+              <a:rPr lang="en-US" altLang="zh-CN" sz="2000" dirty="0" smtClean="0"/>
+              <a:t>MySQL</a:t>
+            </a:r>
+            <a:r>
+              <a:rPr lang="zh-CN" altLang="en-US" sz="2000" dirty="0" smtClean="0"/>
+              <a:t>的</a:t>
+            </a:r>
+            <a:r>
+              <a:rPr lang="en-US" altLang="zh-CN" sz="2000" dirty="0" err="1" smtClean="0"/>
+              <a:t>uuid</a:t>
+            </a:r>
+            <a:r>
+              <a:rPr lang="zh-CN" altLang="en-US" sz="2000" dirty="0" smtClean="0"/>
+              <a:t>生成器</a:t>
+            </a:r>
+            <a:endParaRPr lang="en-US" altLang="zh-CN" sz="2000" dirty="0" smtClean="0"/>
+          </a:p>
+          <a:p>
+            <a:r>
+              <a:rPr lang="zh-CN" altLang="en-US" sz="2000" dirty="0" smtClean="0"/>
+              <a:t>普通方法：使用一个</a:t>
+            </a:r>
+            <a:r>
+              <a:rPr lang="en-US" altLang="zh-CN" sz="2000" dirty="0" err="1" smtClean="0"/>
+              <a:t>bigint</a:t>
+            </a:r>
+            <a:r>
+              <a:rPr lang="zh-CN" altLang="en-US" sz="2000" dirty="0" smtClean="0"/>
+              <a:t>类型字段</a:t>
+            </a:r>
+            <a:r>
+              <a:rPr lang="en-US" altLang="zh-CN" sz="2000" dirty="0" smtClean="0"/>
+              <a:t>index</a:t>
+            </a:r>
+            <a:r>
+              <a:rPr lang="zh-CN" altLang="en-US" sz="2000" dirty="0" smtClean="0"/>
+              <a:t>来记录已经分配过的</a:t>
+            </a:r>
+            <a:r>
+              <a:rPr lang="en-US" altLang="zh-CN" sz="2000" dirty="0" smtClean="0"/>
+              <a:t>ID</a:t>
+            </a:r>
+            <a:r>
+              <a:rPr lang="zh-CN" altLang="en-US" sz="2000" dirty="0" smtClean="0"/>
+              <a:t>。当请求获取新</a:t>
+            </a:r>
+            <a:r>
+              <a:rPr lang="en-US" altLang="zh-CN" sz="2000" dirty="0" smtClean="0"/>
+              <a:t>ID</a:t>
+            </a:r>
+            <a:r>
+              <a:rPr lang="zh-CN" altLang="en-US" sz="2000" dirty="0" smtClean="0"/>
+              <a:t>时，</a:t>
+            </a:r>
+            <a:r>
+              <a:rPr lang="en-US" altLang="zh-CN" sz="2000" dirty="0" smtClean="0"/>
+              <a:t>get</a:t>
+            </a:r>
+            <a:r>
+              <a:rPr lang="zh-CN" altLang="en-US" sz="2000" dirty="0" smtClean="0"/>
+              <a:t>出该字段加</a:t>
+            </a:r>
+            <a:r>
+              <a:rPr lang="en-US" altLang="zh-CN" sz="2000" dirty="0" smtClean="0"/>
+              <a:t>1</a:t>
+            </a:r>
+            <a:r>
+              <a:rPr lang="zh-CN" altLang="en-US" sz="2000" dirty="0" smtClean="0"/>
+              <a:t>并回写到</a:t>
+            </a:r>
+            <a:r>
+              <a:rPr lang="en-US" altLang="zh-CN" sz="2000" dirty="0" err="1" smtClean="0"/>
+              <a:t>mysql</a:t>
+            </a:r>
+            <a:r>
+              <a:rPr lang="zh-CN" altLang="en-US" sz="2000" dirty="0" smtClean="0"/>
+              <a:t>中。优点：强一致性。缺点：</a:t>
+            </a:r>
+            <a:r>
+              <a:rPr lang="en-US" altLang="zh-CN" sz="2000" dirty="0" err="1" smtClean="0"/>
+              <a:t>mysql</a:t>
+            </a:r>
+            <a:r>
+              <a:rPr lang="zh-CN" altLang="en-US" sz="2000" dirty="0" smtClean="0"/>
+              <a:t>读写比</a:t>
+            </a:r>
+            <a:r>
+              <a:rPr lang="en-US" altLang="zh-CN" sz="2000" dirty="0" smtClean="0"/>
+              <a:t>1:1</a:t>
+            </a:r>
+            <a:r>
+              <a:rPr lang="zh-CN" altLang="en-US" sz="2000" dirty="0" smtClean="0"/>
+              <a:t>，当请求很大时给</a:t>
+            </a:r>
+            <a:r>
+              <a:rPr lang="en-US" altLang="zh-CN" sz="2000" dirty="0" err="1" smtClean="0"/>
+              <a:t>mysql</a:t>
+            </a:r>
+            <a:r>
+              <a:rPr lang="zh-CN" altLang="en-US" sz="2000" dirty="0" smtClean="0"/>
+              <a:t>造成很大的压力，性能不好。</a:t>
+            </a:r>
+            <a:endParaRPr lang="en-US" altLang="zh-CN" sz="2000" dirty="0" smtClean="0"/>
+          </a:p>
+          <a:p>
+            <a:r>
+              <a:rPr lang="zh-CN" altLang="en-US" sz="2000" dirty="0" smtClean="0"/>
+              <a:t>新方法：在普通方法的基础上，增加</a:t>
+            </a:r>
+            <a:r>
+              <a:rPr lang="en-US" altLang="zh-CN" sz="2000" dirty="0" err="1" smtClean="0"/>
+              <a:t>nprealloc</a:t>
+            </a:r>
+            <a:r>
+              <a:rPr lang="zh-CN" altLang="en-US" sz="2000" dirty="0" smtClean="0"/>
+              <a:t>字段。每次预取</a:t>
+            </a:r>
+            <a:r>
+              <a:rPr lang="en-US" altLang="zh-CN" sz="2000" dirty="0" err="1" smtClean="0"/>
+              <a:t>nprealloc</a:t>
+            </a:r>
+            <a:r>
+              <a:rPr lang="zh-CN" altLang="en-US" sz="2000" dirty="0" smtClean="0"/>
+              <a:t>个</a:t>
+            </a:r>
+            <a:r>
+              <a:rPr lang="en-US" altLang="zh-CN" sz="2000" dirty="0" smtClean="0"/>
+              <a:t>ID</a:t>
+            </a:r>
+            <a:r>
+              <a:rPr lang="zh-CN" altLang="en-US" sz="2000" dirty="0" smtClean="0"/>
+              <a:t>。当请求获取新</a:t>
+            </a:r>
+            <a:r>
+              <a:rPr lang="en-US" altLang="zh-CN" sz="2000" dirty="0" smtClean="0"/>
+              <a:t>ID</a:t>
+            </a:r>
+            <a:r>
+              <a:rPr lang="zh-CN" altLang="en-US" sz="2000" dirty="0" smtClean="0"/>
+              <a:t>时，从预取得</a:t>
+            </a:r>
+            <a:r>
+              <a:rPr lang="en-US" altLang="zh-CN" sz="2000" dirty="0" smtClean="0"/>
+              <a:t>ID</a:t>
+            </a:r>
+            <a:r>
+              <a:rPr lang="zh-CN" altLang="en-US" sz="2000" dirty="0" smtClean="0"/>
+              <a:t>池中获取即可。</a:t>
+            </a:r>
+            <a:endParaRPr lang="en-US" altLang="zh-CN" sz="2000" dirty="0" smtClean="0"/>
+          </a:p>
+          <a:p>
+            <a:r>
+              <a:rPr lang="zh-CN" altLang="en-US" sz="2000" dirty="0" smtClean="0"/>
+              <a:t>各种全局</a:t>
+            </a:r>
+            <a:r>
+              <a:rPr lang="en-US" altLang="zh-CN" sz="2000" dirty="0" smtClean="0"/>
+              <a:t>ID</a:t>
+            </a:r>
+            <a:r>
+              <a:rPr lang="zh-CN" altLang="en-US" sz="2000" dirty="0" smtClean="0"/>
+              <a:t>生成器详见</a:t>
+            </a:r>
+            <a:r>
+              <a:rPr lang="en-US" altLang="zh-CN" sz="2000" smtClean="0"/>
+              <a:t>PPT</a:t>
+            </a:r>
+            <a:endParaRPr lang="en-US" altLang="zh-CN" sz="2000" dirty="0" smtClean="0"/>
+          </a:p>
+        </p:txBody>
+      </p:sp>
+    </p:spTree>
+    <p:extLst>
+      <p:ext uri="{BB962C8B-B14F-4D97-AF65-F5344CB8AC3E}">
+        <p14:creationId xmlns:p14="http://schemas.microsoft.com/office/powerpoint/2010/main" val="3669381742"/>
+      </p:ext>
+    </p:extLst>
+  </p:cSld>
+  <p:clrMapOvr>
+    <a:masterClrMapping/>
+  </p:clrMapOvr>
+</p:sld>
+</file>
+
+<file path=ppt/slides/slide18.xml><?xml version="1.0" encoding="utf-8"?>
+<p:sld xmlns:a="http://schemas.openxmlformats.org/drawingml/2006/main" xmlns:r="http://schemas.openxmlformats.org/officeDocument/2006/relationships" xmlns:p="http://schemas.openxmlformats.org/presentationml/2006/main">
+  <p:cSld>
+    <p:spTree>
+      <p:nvGrpSpPr>
+        <p:cNvPr id="1" name=""/>
+        <p:cNvGrpSpPr/>
+        <p:nvPr/>
+      </p:nvGrpSpPr>
+      <p:grpSpPr>
+        <a:xfrm>
+          <a:off x="0" y="0"/>
+          <a:ext cx="0" cy="0"/>
+          <a:chOff x="0" y="0"/>
+          <a:chExt cx="0" cy="0"/>
+        </a:xfrm>
+      </p:grpSpPr>
+      <p:sp>
+        <p:nvSpPr>
+          <p:cNvPr id="2" name="标题 1"/>
+          <p:cNvSpPr>
+            <a:spLocks noGrp="1"/>
+          </p:cNvSpPr>
+          <p:nvPr>
+            <p:ph type="title"/>
+          </p:nvPr>
+        </p:nvSpPr>
+        <p:spPr/>
+        <p:txBody>
+          <a:bodyPr/>
+          <a:lstStyle/>
+          <a:p>
+            <a:r>
+              <a:rPr lang="zh-CN" altLang="en-US" dirty="0" smtClean="0"/>
               <a:t>基础服务：配置中心</a:t>
             </a:r>
             <a:endParaRPr lang="zh-CN" altLang="en-US" dirty="0"/>
@@ -4598,7 +4796,7 @@
 </p:sld>
 </file>
 
-<file path=ppt/slides/slide18.xml><?xml version="1.0" encoding="utf-8"?>
+<file path=ppt/slides/slide19.xml><?xml version="1.0" encoding="utf-8"?>
 <p:sld xmlns:a="http://schemas.openxmlformats.org/drawingml/2006/main" xmlns:r="http://schemas.openxmlformats.org/officeDocument/2006/relationships" xmlns:p="http://schemas.openxmlformats.org/presentationml/2006/main">
   <p:cSld>
     <p:spTree>
@@ -4677,163 +4875,6 @@
 </p:sld>
 </file>
 
-<file path=ppt/slides/slide19.xml><?xml version="1.0" encoding="utf-8"?>
-<p:sld xmlns:a="http://schemas.openxmlformats.org/drawingml/2006/main" xmlns:r="http://schemas.openxmlformats.org/officeDocument/2006/relationships" xmlns:p="http://schemas.openxmlformats.org/presentationml/2006/main">
-  <p:cSld>
-    <p:spTree>
-      <p:nvGrpSpPr>
-        <p:cNvPr id="1" name=""/>
-        <p:cNvGrpSpPr/>
-        <p:nvPr/>
-      </p:nvGrpSpPr>
-      <p:grpSpPr>
-        <a:xfrm>
-          <a:off x="0" y="0"/>
-          <a:ext cx="0" cy="0"/>
-          <a:chOff x="0" y="0"/>
-          <a:chExt cx="0" cy="0"/>
-        </a:xfrm>
-      </p:grpSpPr>
-      <p:sp>
-        <p:nvSpPr>
-          <p:cNvPr id="2" name="标题 1"/>
-          <p:cNvSpPr>
-            <a:spLocks noGrp="1"/>
-          </p:cNvSpPr>
-          <p:nvPr>
-            <p:ph type="title"/>
-          </p:nvPr>
-        </p:nvSpPr>
-        <p:spPr/>
-        <p:txBody>
-          <a:bodyPr/>
-          <a:lstStyle/>
-          <a:p>
-            <a:r>
-              <a:rPr lang="zh-CN" altLang="en-US" dirty="0" smtClean="0"/>
-              <a:t>当前配置中心的问题</a:t>
-            </a:r>
-            <a:endParaRPr lang="zh-CN" altLang="en-US" dirty="0"/>
-          </a:p>
-        </p:txBody>
-      </p:sp>
-      <p:sp>
-        <p:nvSpPr>
-          <p:cNvPr id="3" name="内容占位符 2"/>
-          <p:cNvSpPr>
-            <a:spLocks noGrp="1"/>
-          </p:cNvSpPr>
-          <p:nvPr>
-            <p:ph idx="1"/>
-          </p:nvPr>
-        </p:nvSpPr>
-        <p:spPr/>
-        <p:txBody>
-          <a:bodyPr/>
-          <a:lstStyle/>
-          <a:p>
-            <a:r>
-              <a:rPr lang="zh-CN" altLang="en-US" dirty="0" smtClean="0"/>
-              <a:t>对新的公共配置的增删，需要通过手工操作</a:t>
-            </a:r>
-            <a:r>
-              <a:rPr lang="en-US" altLang="zh-CN" dirty="0" smtClean="0"/>
-              <a:t>DB</a:t>
-            </a:r>
-            <a:r>
-              <a:rPr lang="zh-CN" altLang="en-US" dirty="0" smtClean="0"/>
-              <a:t>来实现，对运维不友好</a:t>
-            </a:r>
-            <a:endParaRPr lang="en-US" altLang="zh-CN" dirty="0" smtClean="0"/>
-          </a:p>
-          <a:p>
-            <a:r>
-              <a:rPr lang="zh-CN" altLang="en-US" dirty="0" smtClean="0"/>
-              <a:t>公共配置从修改到生效，依赖于业务服务器被动向配置服务器轮询，滞后性比较大</a:t>
-            </a:r>
-            <a:endParaRPr lang="en-US" altLang="zh-CN" dirty="0" smtClean="0"/>
-          </a:p>
-          <a:p>
-            <a:pPr marL="0" indent="0">
-              <a:buNone/>
-            </a:pPr>
-            <a:r>
-              <a:rPr lang="zh-CN" altLang="en-US" dirty="0" smtClean="0"/>
-              <a:t>优化方法：</a:t>
-            </a:r>
-            <a:endParaRPr lang="en-US" altLang="zh-CN" dirty="0" smtClean="0"/>
-          </a:p>
-          <a:p>
-            <a:pPr marL="514350" indent="-514350">
-              <a:buFont typeface="+mj-lt"/>
-              <a:buAutoNum type="arabicPeriod"/>
-            </a:pPr>
-            <a:r>
-              <a:rPr lang="zh-CN" altLang="en-US" dirty="0" smtClean="0"/>
-              <a:t>建立</a:t>
-            </a:r>
-            <a:r>
-              <a:rPr lang="en-US" altLang="zh-CN" dirty="0" smtClean="0"/>
-              <a:t>UI</a:t>
-            </a:r>
-            <a:r>
-              <a:rPr lang="zh-CN" altLang="en-US" dirty="0" smtClean="0"/>
-              <a:t>界面，用户直接操作</a:t>
-            </a:r>
-            <a:r>
-              <a:rPr lang="en-US" altLang="zh-CN" dirty="0" smtClean="0"/>
-              <a:t>UI</a:t>
-            </a:r>
-            <a:r>
-              <a:rPr lang="zh-CN" altLang="en-US" dirty="0" smtClean="0"/>
-              <a:t>，</a:t>
-            </a:r>
-            <a:r>
-              <a:rPr lang="en-US" altLang="zh-CN" dirty="0" smtClean="0"/>
-              <a:t>UI</a:t>
-            </a:r>
-            <a:r>
-              <a:rPr lang="zh-CN" altLang="en-US" dirty="0" smtClean="0"/>
-              <a:t>跟配置服务器交互。</a:t>
-            </a:r>
-            <a:endParaRPr lang="en-US" altLang="zh-CN" dirty="0" smtClean="0"/>
-          </a:p>
-          <a:p>
-            <a:pPr marL="514350" indent="-514350">
-              <a:buFont typeface="+mj-lt"/>
-              <a:buAutoNum type="arabicPeriod"/>
-            </a:pPr>
-            <a:r>
-              <a:rPr lang="zh-CN" altLang="en-US" dirty="0" smtClean="0"/>
-              <a:t>配置项修改后，配置服务器主动向业务服务器推送更新</a:t>
-            </a:r>
-            <a:endParaRPr lang="en-US" altLang="zh-CN" dirty="0" smtClean="0"/>
-          </a:p>
-          <a:p>
-            <a:pPr marL="0" indent="0">
-              <a:buNone/>
-            </a:pPr>
-            <a:r>
-              <a:rPr lang="zh-CN" altLang="en-US" dirty="0" smtClean="0"/>
-              <a:t>新的架构如下：</a:t>
-            </a:r>
-            <a:endParaRPr lang="en-US" altLang="zh-CN" dirty="0" smtClean="0"/>
-          </a:p>
-        </p:txBody>
-      </p:sp>
-    </p:spTree>
-    <p:extLst>
-      <p:ext uri="{BB962C8B-B14F-4D97-AF65-F5344CB8AC3E}">
-        <p14:creationId xmlns:p14="http://schemas.microsoft.com/office/powerpoint/2010/main" val="4264886831"/>
-      </p:ext>
-    </p:extLst>
-  </p:cSld>
-  <p:clrMapOvr>
-    <a:masterClrMapping/>
-  </p:clrMapOvr>
-</p:sld>
-</file>
-
 <file path=ppt/slides/slide2.xml><?xml version="1.0" encoding="utf-8"?>
 <p:sld xmlns:a="http://schemas.openxmlformats.org/drawingml/2006/main" xmlns:r="http://schemas.openxmlformats.org/officeDocument/2006/relationships" xmlns:p="http://schemas.openxmlformats.org/presentationml/2006/main">
   <p:cSld>
@@ -4994,6 +5035,163 @@
           <a:p>
             <a:r>
               <a:rPr lang="zh-CN" altLang="en-US" dirty="0" smtClean="0"/>
+              <a:t>当前配置中心的问题</a:t>
+            </a:r>
+            <a:endParaRPr lang="zh-CN" altLang="en-US" dirty="0"/>
+          </a:p>
+        </p:txBody>
+      </p:sp>
+      <p:sp>
+        <p:nvSpPr>
+          <p:cNvPr id="3" name="内容占位符 2"/>
+          <p:cNvSpPr>
+            <a:spLocks noGrp="1"/>
+          </p:cNvSpPr>
+          <p:nvPr>
+            <p:ph idx="1"/>
+          </p:nvPr>
+        </p:nvSpPr>
+        <p:spPr/>
+        <p:txBody>
+          <a:bodyPr/>
+          <a:lstStyle/>
+          <a:p>
+            <a:r>
+              <a:rPr lang="zh-CN" altLang="en-US" dirty="0" smtClean="0"/>
+              <a:t>对新的公共配置的增删，需要通过手工操作</a:t>
+            </a:r>
+            <a:r>
+              <a:rPr lang="en-US" altLang="zh-CN" dirty="0" smtClean="0"/>
+              <a:t>DB</a:t>
+            </a:r>
+            <a:r>
+              <a:rPr lang="zh-CN" altLang="en-US" dirty="0" smtClean="0"/>
+              <a:t>来实现，对运维不友好</a:t>
+            </a:r>
+            <a:endParaRPr lang="en-US" altLang="zh-CN" dirty="0" smtClean="0"/>
+          </a:p>
+          <a:p>
+            <a:r>
+              <a:rPr lang="zh-CN" altLang="en-US" dirty="0" smtClean="0"/>
+              <a:t>公共配置从修改到生效，依赖于业务服务器被动向配置服务器轮询，滞后性比较大</a:t>
+            </a:r>
+            <a:endParaRPr lang="en-US" altLang="zh-CN" dirty="0" smtClean="0"/>
+          </a:p>
+          <a:p>
+            <a:pPr marL="0" indent="0">
+              <a:buNone/>
+            </a:pPr>
+            <a:r>
+              <a:rPr lang="zh-CN" altLang="en-US" dirty="0" smtClean="0"/>
+              <a:t>优化方法：</a:t>
+            </a:r>
+            <a:endParaRPr lang="en-US" altLang="zh-CN" dirty="0" smtClean="0"/>
+          </a:p>
+          <a:p>
+            <a:pPr marL="514350" indent="-514350">
+              <a:buFont typeface="+mj-lt"/>
+              <a:buAutoNum type="arabicPeriod"/>
+            </a:pPr>
+            <a:r>
+              <a:rPr lang="zh-CN" altLang="en-US" dirty="0" smtClean="0"/>
+              <a:t>建立</a:t>
+            </a:r>
+            <a:r>
+              <a:rPr lang="en-US" altLang="zh-CN" dirty="0" smtClean="0"/>
+              <a:t>UI</a:t>
+            </a:r>
+            <a:r>
+              <a:rPr lang="zh-CN" altLang="en-US" dirty="0" smtClean="0"/>
+              <a:t>界面，用户直接操作</a:t>
+            </a:r>
+            <a:r>
+              <a:rPr lang="en-US" altLang="zh-CN" dirty="0" smtClean="0"/>
+              <a:t>UI</a:t>
+            </a:r>
+            <a:r>
+              <a:rPr lang="zh-CN" altLang="en-US" dirty="0" smtClean="0"/>
+              <a:t>，</a:t>
+            </a:r>
+            <a:r>
+              <a:rPr lang="en-US" altLang="zh-CN" dirty="0" smtClean="0"/>
+              <a:t>UI</a:t>
+            </a:r>
+            <a:r>
+              <a:rPr lang="zh-CN" altLang="en-US" dirty="0" smtClean="0"/>
+              <a:t>跟配置服务器交互。</a:t>
+            </a:r>
+            <a:endParaRPr lang="en-US" altLang="zh-CN" dirty="0" smtClean="0"/>
+          </a:p>
+          <a:p>
+            <a:pPr marL="514350" indent="-514350">
+              <a:buFont typeface="+mj-lt"/>
+              <a:buAutoNum type="arabicPeriod"/>
+            </a:pPr>
+            <a:r>
+              <a:rPr lang="zh-CN" altLang="en-US" dirty="0" smtClean="0"/>
+              <a:t>配置项修改后，配置服务器主动向业务服务器推送更新</a:t>
+            </a:r>
+            <a:endParaRPr lang="en-US" altLang="zh-CN" dirty="0" smtClean="0"/>
+          </a:p>
+          <a:p>
+            <a:pPr marL="0" indent="0">
+              <a:buNone/>
+            </a:pPr>
+            <a:r>
+              <a:rPr lang="zh-CN" altLang="en-US" dirty="0" smtClean="0"/>
+              <a:t>新的架构如下：</a:t>
+            </a:r>
+            <a:endParaRPr lang="en-US" altLang="zh-CN" dirty="0" smtClean="0"/>
+          </a:p>
+        </p:txBody>
+      </p:sp>
+    </p:spTree>
+    <p:extLst>
+      <p:ext uri="{BB962C8B-B14F-4D97-AF65-F5344CB8AC3E}">
+        <p14:creationId xmlns:p14="http://schemas.microsoft.com/office/powerpoint/2010/main" val="4264886831"/>
+      </p:ext>
+    </p:extLst>
+  </p:cSld>
+  <p:clrMapOvr>
+    <a:masterClrMapping/>
+  </p:clrMapOvr>
+</p:sld>
+</file>
+
+<file path=ppt/slides/slide21.xml><?xml version="1.0" encoding="utf-8"?>
+<p:sld xmlns:a="http://schemas.openxmlformats.org/drawingml/2006/main" xmlns:r="http://schemas.openxmlformats.org/officeDocument/2006/relationships" xmlns:p="http://schemas.openxmlformats.org/presentationml/2006/main">
+  <p:cSld>
+    <p:spTree>
+      <p:nvGrpSpPr>
+        <p:cNvPr id="1" name=""/>
+        <p:cNvGrpSpPr/>
+        <p:nvPr/>
+      </p:nvGrpSpPr>
+      <p:grpSpPr>
+        <a:xfrm>
+          <a:off x="0" y="0"/>
+          <a:ext cx="0" cy="0"/>
+          <a:chOff x="0" y="0"/>
+          <a:chExt cx="0" cy="0"/>
+        </a:xfrm>
+      </p:grpSpPr>
+      <p:sp>
+        <p:nvSpPr>
+          <p:cNvPr id="2" name="标题 1"/>
+          <p:cNvSpPr>
+            <a:spLocks noGrp="1"/>
+          </p:cNvSpPr>
+          <p:nvPr>
+            <p:ph type="title"/>
+          </p:nvPr>
+        </p:nvSpPr>
+        <p:spPr/>
+        <p:txBody>
+          <a:bodyPr/>
+          <a:lstStyle/>
+          <a:p>
+            <a:r>
+              <a:rPr lang="zh-CN" altLang="en-US" dirty="0" smtClean="0"/>
               <a:t>优化后的配置中心架构</a:t>
             </a:r>
             <a:endParaRPr lang="zh-CN" altLang="en-US" dirty="0"/>
@@ -5039,120 +5237,6 @@
 </p:sld>
 </file>
 
-<file path=ppt/slides/slide21.xml><?xml version="1.0" encoding="utf-8"?>
-<p:sld xmlns:a="http://schemas.openxmlformats.org/drawingml/2006/main" xmlns:r="http://schemas.openxmlformats.org/officeDocument/2006/relationships" xmlns:p="http://schemas.openxmlformats.org/presentationml/2006/main">
-  <p:cSld>
-    <p:spTree>
-      <p:nvGrpSpPr>
-        <p:cNvPr id="1" name=""/>
-        <p:cNvGrpSpPr/>
-        <p:nvPr/>
-      </p:nvGrpSpPr>
-      <p:grpSpPr>
-        <a:xfrm>
-          <a:off x="0" y="0"/>
-          <a:ext cx="0" cy="0"/>
-          <a:chOff x="0" y="0"/>
-          <a:chExt cx="0" cy="0"/>
-        </a:xfrm>
-      </p:grpSpPr>
-      <p:sp>
-        <p:nvSpPr>
-          <p:cNvPr id="2" name="标题 1"/>
-          <p:cNvSpPr>
-            <a:spLocks noGrp="1"/>
-          </p:cNvSpPr>
-          <p:nvPr>
-            <p:ph type="title"/>
-          </p:nvPr>
-        </p:nvSpPr>
-        <p:spPr/>
-        <p:txBody>
-          <a:bodyPr/>
-          <a:lstStyle/>
-          <a:p>
-            <a:r>
-              <a:rPr lang="zh-CN" altLang="en-US" dirty="0" smtClean="0"/>
-              <a:t>存储层：</a:t>
-            </a:r>
-            <a:r>
-              <a:rPr lang="en-US" altLang="zh-CN" dirty="0" err="1" smtClean="0"/>
-              <a:t>MySQL+Redis</a:t>
-            </a:r>
-            <a:endParaRPr lang="zh-CN" altLang="en-US" dirty="0"/>
-          </a:p>
-        </p:txBody>
-      </p:sp>
-      <p:sp>
-        <p:nvSpPr>
-          <p:cNvPr id="3" name="内容占位符 2"/>
-          <p:cNvSpPr>
-            <a:spLocks noGrp="1"/>
-          </p:cNvSpPr>
-          <p:nvPr>
-            <p:ph idx="1"/>
-          </p:nvPr>
-        </p:nvSpPr>
-        <p:spPr/>
-        <p:txBody>
-          <a:bodyPr/>
-          <a:lstStyle/>
-          <a:p>
-            <a:r>
-              <a:rPr lang="en-US" altLang="zh-CN" dirty="0" smtClean="0"/>
-              <a:t>MySQL</a:t>
-            </a:r>
-            <a:r>
-              <a:rPr lang="zh-CN" altLang="en-US" dirty="0" smtClean="0"/>
-              <a:t>：主从</a:t>
-            </a:r>
-            <a:endParaRPr lang="en-US" altLang="zh-CN" dirty="0" smtClean="0"/>
-          </a:p>
-          <a:p>
-            <a:r>
-              <a:rPr lang="en-US" altLang="zh-CN" dirty="0" err="1" smtClean="0"/>
-              <a:t>redis</a:t>
-            </a:r>
-            <a:r>
-              <a:rPr lang="zh-CN" altLang="en-US" dirty="0" smtClean="0"/>
-              <a:t>：主从</a:t>
-            </a:r>
-            <a:r>
-              <a:rPr lang="en-US" altLang="zh-CN" dirty="0" smtClean="0"/>
-              <a:t>/</a:t>
-            </a:r>
-            <a:r>
-              <a:rPr lang="zh-CN" altLang="en-US" dirty="0" smtClean="0"/>
-              <a:t>集群</a:t>
-            </a:r>
-            <a:endParaRPr lang="en-US" altLang="zh-CN" dirty="0" smtClean="0"/>
-          </a:p>
-          <a:p>
-            <a:r>
-              <a:rPr lang="en-US" altLang="zh-CN" dirty="0" err="1" smtClean="0"/>
-              <a:t>db</a:t>
-            </a:r>
-            <a:r>
-              <a:rPr lang="zh-CN" altLang="en-US" dirty="0" smtClean="0"/>
-              <a:t>和缓存一致性方案：代理服务</a:t>
-            </a:r>
-            <a:endParaRPr lang="zh-CN" altLang="en-US" dirty="0"/>
-          </a:p>
-        </p:txBody>
-      </p:sp>
-    </p:spTree>
-    <p:extLst>
-      <p:ext uri="{BB962C8B-B14F-4D97-AF65-F5344CB8AC3E}">
-        <p14:creationId xmlns:p14="http://schemas.microsoft.com/office/powerpoint/2010/main" val="2655823133"/>
-      </p:ext>
-    </p:extLst>
-  </p:cSld>
-  <p:clrMapOvr>
-    <a:masterClrMapping/>
-  </p:clrMapOvr>
-</p:sld>
-</file>
-
 <file path=ppt/slides/slide22.xml><?xml version="1.0" encoding="utf-8"?>
 <p:sld xmlns:a="http://schemas.openxmlformats.org/drawingml/2006/main" xmlns:r="http://schemas.openxmlformats.org/officeDocument/2006/relationships" xmlns:p="http://schemas.openxmlformats.org/presentationml/2006/main">
   <p:cSld>
@@ -5186,12 +5270,12 @@
           <a:lstStyle/>
           <a:p>
             <a:r>
-              <a:rPr lang="zh-CN" altLang="en-US" dirty="0"/>
-              <a:t>基础模块</a:t>
-            </a:r>
-            <a:r>
-              <a:rPr lang="zh-CN" altLang="en-US" dirty="0" smtClean="0"/>
-              <a:t>：监控统计</a:t>
+              <a:rPr lang="zh-CN" altLang="en-US" dirty="0" smtClean="0"/>
+              <a:t>存储层：</a:t>
+            </a:r>
+            <a:r>
+              <a:rPr lang="en-US" altLang="zh-CN" dirty="0" err="1" smtClean="0"/>
+              <a:t>MySQL+Redis</a:t>
             </a:r>
             <a:endParaRPr lang="zh-CN" altLang="en-US" dirty="0"/>
           </a:p>
@@ -5212,14 +5296,52 @@
           <a:bodyPr/>
           <a:lstStyle/>
           <a:p>
-            <a:endParaRPr lang="zh-CN" altLang="en-US"/>
+            <a:r>
+              <a:rPr lang="en-US" altLang="zh-CN" dirty="0" smtClean="0"/>
+              <a:t>MySQL</a:t>
+            </a:r>
+            <a:r>
+              <a:rPr lang="zh-CN" altLang="en-US" dirty="0" smtClean="0"/>
+              <a:t>：主从</a:t>
+            </a:r>
+            <a:endParaRPr lang="en-US" altLang="zh-CN" dirty="0" smtClean="0"/>
+          </a:p>
+          <a:p>
+            <a:r>
+              <a:rPr lang="en-US" altLang="zh-CN" dirty="0" err="1" smtClean="0"/>
+              <a:t>redis</a:t>
+            </a:r>
+            <a:r>
+              <a:rPr lang="zh-CN" altLang="en-US" dirty="0" smtClean="0"/>
+              <a:t>：主从</a:t>
+            </a:r>
+            <a:r>
+              <a:rPr lang="en-US" altLang="zh-CN" dirty="0" smtClean="0"/>
+              <a:t>/</a:t>
+            </a:r>
+            <a:r>
+              <a:rPr lang="zh-CN" altLang="en-US" dirty="0" smtClean="0"/>
+              <a:t>集群</a:t>
+            </a:r>
+            <a:endParaRPr lang="en-US" altLang="zh-CN" dirty="0" smtClean="0"/>
+          </a:p>
+          <a:p>
+            <a:r>
+              <a:rPr lang="en-US" altLang="zh-CN" dirty="0" err="1" smtClean="0"/>
+              <a:t>db</a:t>
+            </a:r>
+            <a:r>
+              <a:rPr lang="zh-CN" altLang="en-US" dirty="0" smtClean="0"/>
+              <a:t>和缓存一致性方案：代理服务</a:t>
+            </a:r>
+            <a:endParaRPr lang="zh-CN" altLang="en-US" dirty="0"/>
           </a:p>
         </p:txBody>
       </p:sp>
     </p:spTree>
     <p:extLst>
       <p:ext uri="{BB962C8B-B14F-4D97-AF65-F5344CB8AC3E}">
-        <p14:creationId xmlns:p14="http://schemas.microsoft.com/office/powerpoint/2010/main" val="1456476489"/>
+        <p14:creationId xmlns:p14="http://schemas.microsoft.com/office/powerpoint/2010/main" val="2655823133"/>
       </p:ext>
     </p:extLst>
   </p:cSld>
@@ -5262,8 +5384,12 @@
           <a:lstStyle/>
           <a:p>
             <a:r>
-              <a:rPr lang="zh-CN" altLang="en-US" dirty="0" smtClean="0"/>
-              <a:t>可优化的点</a:t>
+              <a:rPr lang="zh-CN" altLang="en-US" dirty="0"/>
+              <a:t>基础模块</a:t>
+            </a:r>
+            <a:r>
+              <a:rPr lang="zh-CN" altLang="en-US" dirty="0" smtClean="0"/>
+              <a:t>：监控统计</a:t>
             </a:r>
             <a:endParaRPr lang="zh-CN" altLang="en-US" dirty="0"/>
           </a:p>
@@ -5284,47 +5410,14 @@
           <a:bodyPr/>
           <a:lstStyle/>
           <a:p>
-            <a:r>
-              <a:rPr lang="zh-CN" altLang="en-US" dirty="0" smtClean="0"/>
-              <a:t>异步编程优化：</a:t>
-            </a:r>
-            <a:r>
-              <a:rPr lang="en-US" altLang="zh-CN" dirty="0" smtClean="0"/>
-              <a:t>why</a:t>
-            </a:r>
-            <a:r>
-              <a:rPr lang="zh-CN" altLang="en-US" dirty="0"/>
-              <a:t>？</a:t>
-            </a:r>
-            <a:r>
-              <a:rPr lang="zh-CN" altLang="en-US" dirty="0" smtClean="0"/>
-              <a:t>协程的引入及其改造</a:t>
-            </a:r>
-            <a:endParaRPr lang="en-US" altLang="zh-CN" dirty="0" smtClean="0"/>
-          </a:p>
-          <a:p>
-            <a:r>
-              <a:rPr lang="zh-CN" altLang="en-US" dirty="0" smtClean="0"/>
-              <a:t>数据库和缓存同步的优化：当前的方案和优化方案</a:t>
-            </a:r>
-            <a:endParaRPr lang="en-US" altLang="zh-CN" dirty="0" smtClean="0"/>
-          </a:p>
-          <a:p>
-            <a:r>
-              <a:rPr lang="zh-CN" altLang="en-US" dirty="0" smtClean="0"/>
-              <a:t>配置中心优化：当前自研配置中心的特点和优化方案</a:t>
-            </a:r>
-            <a:endParaRPr lang="en-US" altLang="zh-CN" dirty="0" smtClean="0"/>
-          </a:p>
-          <a:p>
-            <a:endParaRPr lang="zh-CN" altLang="en-US" dirty="0"/>
+            <a:endParaRPr lang="zh-CN" altLang="en-US"/>
           </a:p>
         </p:txBody>
       </p:sp>
     </p:spTree>
     <p:extLst>
       <p:ext uri="{BB962C8B-B14F-4D97-AF65-F5344CB8AC3E}">
-        <p14:creationId xmlns:p14="http://schemas.microsoft.com/office/powerpoint/2010/main" val="300035022"/>
+        <p14:creationId xmlns:p14="http://schemas.microsoft.com/office/powerpoint/2010/main" val="1456476489"/>
       </p:ext>
     </p:extLst>
   </p:cSld>
@@ -5368,6 +5461,111 @@
           <a:p>
             <a:r>
               <a:rPr lang="zh-CN" altLang="en-US" dirty="0" smtClean="0"/>
+              <a:t>可优化的点</a:t>
+            </a:r>
+            <a:endParaRPr lang="zh-CN" altLang="en-US" dirty="0"/>
+          </a:p>
+        </p:txBody>
+      </p:sp>
+      <p:sp>
+        <p:nvSpPr>
+          <p:cNvPr id="3" name="内容占位符 2"/>
+          <p:cNvSpPr>
+            <a:spLocks noGrp="1"/>
+          </p:cNvSpPr>
+          <p:nvPr>
+            <p:ph idx="1"/>
+          </p:nvPr>
+        </p:nvSpPr>
+        <p:spPr/>
+        <p:txBody>
+          <a:bodyPr/>
+          <a:lstStyle/>
+          <a:p>
+            <a:r>
+              <a:rPr lang="zh-CN" altLang="en-US" dirty="0" smtClean="0"/>
+              <a:t>异步编程优化：</a:t>
+            </a:r>
+            <a:r>
+              <a:rPr lang="en-US" altLang="zh-CN" dirty="0" smtClean="0"/>
+              <a:t>why</a:t>
+            </a:r>
+            <a:r>
+              <a:rPr lang="zh-CN" altLang="en-US" dirty="0"/>
+              <a:t>？</a:t>
+            </a:r>
+            <a:r>
+              <a:rPr lang="zh-CN" altLang="en-US" dirty="0" smtClean="0"/>
+              <a:t>协程的引入及其改造</a:t>
+            </a:r>
+            <a:endParaRPr lang="en-US" altLang="zh-CN" dirty="0" smtClean="0"/>
+          </a:p>
+          <a:p>
+            <a:r>
+              <a:rPr lang="zh-CN" altLang="en-US" dirty="0" smtClean="0"/>
+              <a:t>数据库和缓存同步的优化：当前的方案和优化方案</a:t>
+            </a:r>
+            <a:endParaRPr lang="en-US" altLang="zh-CN" dirty="0" smtClean="0"/>
+          </a:p>
+          <a:p>
+            <a:r>
+              <a:rPr lang="zh-CN" altLang="en-US" dirty="0" smtClean="0"/>
+              <a:t>配置中心优化：当前自研配置中心的特点和优化方案</a:t>
+            </a:r>
+            <a:endParaRPr lang="en-US" altLang="zh-CN" dirty="0" smtClean="0"/>
+          </a:p>
+          <a:p>
+            <a:endParaRPr lang="zh-CN" altLang="en-US" dirty="0"/>
+          </a:p>
+        </p:txBody>
+      </p:sp>
+    </p:spTree>
+    <p:extLst>
+      <p:ext uri="{BB962C8B-B14F-4D97-AF65-F5344CB8AC3E}">
+        <p14:creationId xmlns:p14="http://schemas.microsoft.com/office/powerpoint/2010/main" val="300035022"/>
+      </p:ext>
+    </p:extLst>
+  </p:cSld>
+  <p:clrMapOvr>
+    <a:masterClrMapping/>
+  </p:clrMapOvr>
+</p:sld>
+</file>
+
+<file path=ppt/slides/slide25.xml><?xml version="1.0" encoding="utf-8"?>
+<p:sld xmlns:a="http://schemas.openxmlformats.org/drawingml/2006/main" xmlns:r="http://schemas.openxmlformats.org/officeDocument/2006/relationships" xmlns:p="http://schemas.openxmlformats.org/presentationml/2006/main">
+  <p:cSld>
+    <p:spTree>
+      <p:nvGrpSpPr>
+        <p:cNvPr id="1" name=""/>
+        <p:cNvGrpSpPr/>
+        <p:nvPr/>
+      </p:nvGrpSpPr>
+      <p:grpSpPr>
+        <a:xfrm>
+          <a:off x="0" y="0"/>
+          <a:ext cx="0" cy="0"/>
+          <a:chOff x="0" y="0"/>
+          <a:chExt cx="0" cy="0"/>
+        </a:xfrm>
+      </p:grpSpPr>
+      <p:sp>
+        <p:nvSpPr>
+          <p:cNvPr id="2" name="标题 1"/>
+          <p:cNvSpPr>
+            <a:spLocks noGrp="1"/>
+          </p:cNvSpPr>
+          <p:nvPr>
+            <p:ph type="title"/>
+          </p:nvPr>
+        </p:nvSpPr>
+        <p:spPr/>
+        <p:txBody>
+          <a:bodyPr/>
+          <a:lstStyle/>
+          <a:p>
+            <a:r>
+              <a:rPr lang="zh-CN" altLang="en-US" dirty="0" smtClean="0"/>
               <a:t>其他：构造请求包的技巧</a:t>
             </a:r>
             <a:endParaRPr lang="zh-CN" altLang="en-US" dirty="0"/>
@@ -5565,7 +5763,7 @@
 </p:sld>
 </file>
 
-<file path=ppt/slides/slide25.xml><?xml version="1.0" encoding="utf-8"?>
+<file path=ppt/slides/slide26.xml><?xml version="1.0" encoding="utf-8"?>
 <p:sld xmlns:a="http://schemas.openxmlformats.org/drawingml/2006/main" xmlns:r="http://schemas.openxmlformats.org/officeDocument/2006/relationships" xmlns:p="http://schemas.openxmlformats.org/presentationml/2006/main">
   <p:cSld>
     <p:spTree>
